--- a/Lecture 1/Lecture 1.pptx
+++ b/Lecture 1/Lecture 1.pptx
@@ -247,7 +247,7 @@
           <a:p>
             <a:fld id="{EE2E33BD-E1BA-3C4D-B01A-FFAC454B8D70}" type="datetimeFigureOut">
               <a:rPr lang="en-US" smtClean="0"/>
-              <a:t>5/13/25</a:t>
+              <a:t>5/18/25</a:t>
             </a:fld>
             <a:endParaRPr lang="en-US"/>
           </a:p>
@@ -2685,12 +2685,16 @@
         </p:nvSpPr>
         <p:spPr/>
         <p:txBody>
-          <a:bodyPr/>
+          <a:bodyPr>
+            <a:normAutofit/>
+          </a:bodyPr>
           <a:lstStyle/>
           <a:p>
             <a:r>
-              <a:rPr lang="en-US" dirty="0"/>
-              <a:t>Introduction to R</a:t>
+              <a:rPr lang="en-US" sz="4000" dirty="0">
+                <a:latin typeface="Aptos" panose="020B0004020202020204" pitchFamily="34" charset="0"/>
+              </a:rPr>
+              <a:t>Lecture 1: Introduction to R for serological data analyses</a:t>
             </a:r>
           </a:p>
         </p:txBody>
@@ -2718,7 +2722,20 @@
           <a:p>
             <a:r>
               <a:rPr lang="en-US" dirty="0"/>
-              <a:t>Lecture 1</a:t>
+              <a:t>May 21, 2025</a:t>
+            </a:r>
+          </a:p>
+          <a:p>
+            <a:r>
+              <a:rPr lang="en-US" dirty="0"/>
+              <a:t>Seroanalytics Training</a:t>
+            </a:r>
+            <a:br>
+              <a:rPr lang="en-US" dirty="0"/>
+            </a:br>
+            <a:r>
+              <a:rPr lang="en-US" dirty="0"/>
+              <a:t>Blantyre, Malawi</a:t>
             </a:r>
           </a:p>
         </p:txBody>
@@ -3104,6 +3121,11 @@
           <a:lstStyle/>
           <a:p>
             <a:r>
+              <a:rPr lang="en-US" dirty="0"/>
+              <a:t>"</a:t>
+            </a:r>
+            <a:r>
+              <a:rPr dirty="0"/>
               <a:t>Wide vs. Long Data Frames in R</a:t>
             </a:r>
           </a:p>
@@ -3135,8 +3157,12 @@
               <a:defRPr sz="1400"/>
             </a:pPr>
             <a:r>
+              <a:rPr sz="2500" b="1" dirty="0"/>
+              <a:t>Wide</a:t>
+            </a:r>
+            <a:r>
               <a:rPr sz="2500" dirty="0"/>
-              <a:t>Wide Format</a:t>
+              <a:t> Format</a:t>
             </a:r>
           </a:p>
           <a:p>
@@ -3171,8 +3197,12 @@
               <a:defRPr sz="1400"/>
             </a:pPr>
             <a:r>
+              <a:rPr sz="2500" b="1" dirty="0"/>
+              <a:t>Long</a:t>
+            </a:r>
+            <a:r>
               <a:rPr sz="2500" dirty="0"/>
-              <a:t>Long Format</a:t>
+              <a:t> Format</a:t>
             </a:r>
           </a:p>
           <a:p>
@@ -5441,15 +5471,7 @@
           <a:p>
             <a:r>
               <a:rPr lang="en-US" dirty="0"/>
-              <a:t>What is R and </a:t>
-            </a:r>
-            <a:r>
-              <a:rPr lang="en-US" dirty="0" err="1"/>
-              <a:t>Rstudio</a:t>
-            </a:r>
-            <a:r>
-              <a:rPr lang="en-US" dirty="0"/>
-              <a:t>?</a:t>
+              <a:t>What is R and RStudio?</a:t>
             </a:r>
           </a:p>
           <a:p>
@@ -5461,7 +5483,7 @@
           <a:p>
             <a:r>
               <a:rPr lang="en-US" dirty="0"/>
-              <a:t>What is a Wide versus Long data frame?</a:t>
+              <a:t>What is a ‘wide’ versus ‘long’ data frame?</a:t>
             </a:r>
           </a:p>
           <a:p>
@@ -5710,22 +5732,90 @@
           <a:lstStyle/>
           <a:p>
             <a:r>
-              <a:t>R is the language; RStudio is an interface to use R.</a:t>
-            </a:r>
-          </a:p>
-          <a:p>
-            <a:r>
-              <a:t>R can be used alone; RStudio requires R to run.</a:t>
-            </a:r>
-          </a:p>
-          <a:p>
-            <a:r>
-              <a:t>R handles the computation; RStudio provides tools to interact with R.</a:t>
-            </a:r>
-          </a:p>
-          <a:p>
-            <a:r>
-              <a:t>RStudio enhances usability with projects, tabs, and debugging tools.</a:t>
+              <a:rPr dirty="0"/>
+              <a:t>R is the </a:t>
+            </a:r>
+            <a:r>
+              <a:rPr b="1" dirty="0"/>
+              <a:t>language</a:t>
+            </a:r>
+            <a:r>
+              <a:rPr dirty="0"/>
+              <a:t>; RStudio is an </a:t>
+            </a:r>
+            <a:r>
+              <a:rPr lang="en-US" b="1" dirty="0"/>
+              <a:t>interface</a:t>
+            </a:r>
+            <a:r>
+              <a:rPr dirty="0"/>
+              <a:t> to use R.</a:t>
+            </a:r>
+          </a:p>
+          <a:p>
+            <a:r>
+              <a:rPr dirty="0"/>
+              <a:t>R can be </a:t>
+            </a:r>
+            <a:r>
+              <a:rPr b="1" dirty="0"/>
+              <a:t>used</a:t>
+            </a:r>
+            <a:r>
+              <a:rPr dirty="0"/>
+              <a:t> </a:t>
+            </a:r>
+            <a:r>
+              <a:rPr b="1" dirty="0"/>
+              <a:t>alone</a:t>
+            </a:r>
+            <a:r>
+              <a:rPr dirty="0"/>
+              <a:t>; RStudio </a:t>
+            </a:r>
+            <a:r>
+              <a:rPr b="1" dirty="0"/>
+              <a:t>requires R </a:t>
+            </a:r>
+            <a:r>
+              <a:rPr dirty="0"/>
+              <a:t>to run.</a:t>
+            </a:r>
+          </a:p>
+          <a:p>
+            <a:r>
+              <a:rPr dirty="0"/>
+              <a:t>R handles the </a:t>
+            </a:r>
+            <a:r>
+              <a:rPr b="1" dirty="0"/>
+              <a:t>computation</a:t>
+            </a:r>
+            <a:r>
+              <a:rPr dirty="0"/>
+              <a:t>; RStudio provides </a:t>
+            </a:r>
+            <a:r>
+              <a:rPr b="1" dirty="0"/>
+              <a:t>tools</a:t>
+            </a:r>
+            <a:r>
+              <a:rPr dirty="0"/>
+              <a:t> to interact with R.</a:t>
+            </a:r>
+          </a:p>
+          <a:p>
+            <a:r>
+              <a:rPr dirty="0"/>
+              <a:t>RStudio </a:t>
+            </a:r>
+            <a:r>
+              <a:rPr b="1" dirty="0"/>
+              <a:t>enhances usability </a:t>
+            </a:r>
+            <a:r>
+              <a:rPr dirty="0"/>
+              <a:t>with projects, tabs, and debugging tools.</a:t>
             </a:r>
           </a:p>
         </p:txBody>
@@ -5755,31 +5845,6 @@
           <a:chExt cx="0" cy="0"/>
         </a:xfrm>
       </p:grpSpPr>
-      <p:sp>
-        <p:nvSpPr>
-          <p:cNvPr id="2" name="Title 1">
-            <a:extLst>
-              <a:ext uri="{FF2B5EF4-FFF2-40B4-BE49-F238E27FC236}">
-                <a16:creationId xmlns:a16="http://schemas.microsoft.com/office/drawing/2014/main" id="{6D54DDEE-43C1-97A9-F892-904B87FEE4A6}"/>
-              </a:ext>
-            </a:extLst>
-          </p:cNvPr>
-          <p:cNvSpPr>
-            <a:spLocks noGrp="1"/>
-          </p:cNvSpPr>
-          <p:nvPr>
-            <p:ph type="title"/>
-          </p:nvPr>
-        </p:nvSpPr>
-        <p:spPr/>
-        <p:txBody>
-          <a:bodyPr/>
-          <a:lstStyle/>
-          <a:p>
-            <a:endParaRPr lang="en-US"/>
-          </a:p>
-        </p:txBody>
-      </p:sp>
       <p:sp>
         <p:nvSpPr>
           <p:cNvPr id="3" name="TextBox 2">
@@ -6042,10 +6107,9 @@
           <a:p>
             <a:pPr algn="ctr"/>
             <a:r>
-              <a:rPr lang="en-US" dirty="0" err="1"/>
-              <a:t>Rstudio</a:t>
-            </a:r>
-            <a:endParaRPr lang="en-US" dirty="0"/>
+              <a:rPr lang="en-US" dirty="0"/>
+              <a:t>RStudio</a:t>
+            </a:r>
           </a:p>
         </p:txBody>
       </p:sp>
@@ -6236,21 +6300,33 @@
           <a:lstStyle/>
           <a:p>
             <a:r>
-              <a:t>A plain text file containing R code (.R extension).</a:t>
-            </a:r>
-          </a:p>
-          <a:p>
-            <a:r>
+              <a:rPr dirty="0"/>
+              <a:t>A plain text file containing R code (</a:t>
+            </a:r>
+            <a:r>
+              <a:rPr b="1" dirty="0"/>
+              <a:t>.R </a:t>
+            </a:r>
+            <a:r>
+              <a:rPr dirty="0"/>
+              <a:t>extension).</a:t>
+            </a:r>
+          </a:p>
+          <a:p>
+            <a:r>
+              <a:rPr dirty="0"/>
               <a:t>Used for writing, running, and saving R commands.</a:t>
             </a:r>
           </a:p>
           <a:p>
             <a:r>
+              <a:rPr dirty="0"/>
               <a:t>Best for quick scripting, data analysis, and model building.</a:t>
             </a:r>
           </a:p>
           <a:p>
             <a:r>
+              <a:rPr dirty="0"/>
               <a:t>Cannot produce formatted output documents directly.</a:t>
             </a:r>
           </a:p>
@@ -6318,21 +6394,57 @@
           <a:lstStyle/>
           <a:p>
             <a:r>
-              <a:t>A document combining R code with text and formatting (.Rmd extension).</a:t>
-            </a:r>
-          </a:p>
-          <a:p>
-            <a:r>
+              <a:rPr dirty="0"/>
+              <a:t>A document combining R code with text and formatting (</a:t>
+            </a:r>
+            <a:r>
+              <a:rPr b="1" dirty="0"/>
+              <a:t>.</a:t>
+            </a:r>
+            <a:r>
+              <a:rPr b="1" dirty="0" err="1"/>
+              <a:t>Rmd</a:t>
+            </a:r>
+            <a:r>
+              <a:rPr b="1" dirty="0"/>
+              <a:t> </a:t>
+            </a:r>
+            <a:r>
+              <a:rPr dirty="0"/>
+              <a:t>extension).</a:t>
+            </a:r>
+          </a:p>
+          <a:p>
+            <a:r>
+              <a:rPr dirty="0"/>
               <a:t>Supports code chunks, inline results, and narrative text.</a:t>
             </a:r>
           </a:p>
           <a:p>
             <a:r>
-              <a:t>Can generate reports in PDF, Word, or HTML using knitr and pandoc.</a:t>
-            </a:r>
-          </a:p>
-          <a:p>
-            <a:r>
+              <a:rPr dirty="0"/>
+              <a:t>Can generate reports in PDF, Word, or HTML using </a:t>
+            </a:r>
+            <a:r>
+              <a:rPr dirty="0" err="1"/>
+              <a:t>knitr</a:t>
+            </a:r>
+            <a:r>
+              <a:rPr dirty="0"/>
+              <a:t> and </a:t>
+            </a:r>
+            <a:r>
+              <a:rPr dirty="0" err="1"/>
+              <a:t>pandoc</a:t>
+            </a:r>
+            <a:r>
+              <a:rPr dirty="0"/>
+              <a:t>.</a:t>
+            </a:r>
+          </a:p>
+          <a:p>
+            <a:r>
+              <a:rPr dirty="0"/>
               <a:t>Great for reproducible research and reporting.</a:t>
             </a:r>
           </a:p>

--- a/Lecture 1/Lecture 1.pptx
+++ b/Lecture 1/Lecture 1.pptx
@@ -5,7 +5,7 @@
     <p:sldMasterId id="2147483672" r:id="rId1"/>
   </p:sldMasterIdLst>
   <p:notesMasterIdLst>
-    <p:notesMasterId r:id="rId16"/>
+    <p:notesMasterId r:id="rId17"/>
   </p:notesMasterIdLst>
   <p:sldIdLst>
     <p:sldId id="256" r:id="rId2"/>
@@ -22,6 +22,7 @@
     <p:sldId id="268" r:id="rId13"/>
     <p:sldId id="260" r:id="rId14"/>
     <p:sldId id="269" r:id="rId15"/>
+    <p:sldId id="271" r:id="rId16"/>
   </p:sldIdLst>
   <p:sldSz cx="12192000" cy="6858000"/>
   <p:notesSz cx="6858000" cy="9144000"/>
@@ -131,7 +132,7 @@
 <file path=ppt/revisionInfo.xml><?xml version="1.0" encoding="utf-8"?>
 <p1510:revInfo xmlns:a="http://schemas.openxmlformats.org/drawingml/2006/main" xmlns:r="http://schemas.openxmlformats.org/officeDocument/2006/relationships" xmlns:p1510="http://schemas.microsoft.com/office/powerpoint/2015/10/main">
   <p1510:revLst>
-    <p1510:client id="{8F23145C-A13B-A342-8814-4A755A7320F9}" v="65" dt="2025-05-13T02:50:45.125"/>
+    <p1510:client id="{8F23145C-A13B-A342-8814-4A755A7320F9}" v="14" dt="2025-05-19T23:12:59.117"/>
   </p1510:revLst>
 </p1510:revInfo>
 </file>
@@ -140,23 +141,767 @@
 <pc:chgInfo xmlns:a="http://schemas.openxmlformats.org/drawingml/2006/main" xmlns:r="http://schemas.openxmlformats.org/officeDocument/2006/relationships" xmlns:ac="http://schemas.microsoft.com/office/drawing/2013/main/command" xmlns:pc="http://schemas.microsoft.com/office/powerpoint/2013/main/command">
   <pc:docChgLst>
     <pc:chgData name="Sonia Tara Hegde" userId="d93a2558-a889-4521-bcb4-6ed3fce9e012" providerId="ADAL" clId="{8F23145C-A13B-A342-8814-4A755A7320F9}"/>
-    <pc:docChg chg="custSel delSld modSld">
-      <pc:chgData name="Sonia Tara Hegde" userId="d93a2558-a889-4521-bcb4-6ed3fce9e012" providerId="ADAL" clId="{8F23145C-A13B-A342-8814-4A755A7320F9}" dt="2025-05-13T22:08:55.192" v="145" actId="2696"/>
+    <pc:docChg chg="undo custSel addSld delSld modSld">
+      <pc:chgData name="Sonia Tara Hegde" userId="d93a2558-a889-4521-bcb4-6ed3fce9e012" providerId="ADAL" clId="{8F23145C-A13B-A342-8814-4A755A7320F9}" dt="2025-05-19T23:15:00.616" v="591" actId="2696"/>
       <pc:docMkLst>
         <pc:docMk/>
       </pc:docMkLst>
+      <pc:sldChg chg="addSp delSp modSp add del mod">
+        <pc:chgData name="Sonia Tara Hegde" userId="d93a2558-a889-4521-bcb4-6ed3fce9e012" providerId="ADAL" clId="{8F23145C-A13B-A342-8814-4A755A7320F9}" dt="2025-05-19T23:15:00.616" v="591" actId="2696"/>
+        <pc:sldMkLst>
+          <pc:docMk/>
+          <pc:sldMk cId="0" sldId="257"/>
+        </pc:sldMkLst>
+        <pc:spChg chg="add del mod">
+          <ac:chgData name="Sonia Tara Hegde" userId="d93a2558-a889-4521-bcb4-6ed3fce9e012" providerId="ADAL" clId="{8F23145C-A13B-A342-8814-4A755A7320F9}" dt="2025-05-19T23:12:18.274" v="558" actId="478"/>
+          <ac:spMkLst>
+            <pc:docMk/>
+            <pc:sldMk cId="0" sldId="257"/>
+            <ac:spMk id="2" creationId="{00000000-0000-0000-0000-000000000000}"/>
+          </ac:spMkLst>
+        </pc:spChg>
+        <pc:spChg chg="del mod">
+          <ac:chgData name="Sonia Tara Hegde" userId="d93a2558-a889-4521-bcb4-6ed3fce9e012" providerId="ADAL" clId="{8F23145C-A13B-A342-8814-4A755A7320F9}" dt="2025-05-19T23:12:18.274" v="558" actId="478"/>
+          <ac:spMkLst>
+            <pc:docMk/>
+            <pc:sldMk cId="0" sldId="257"/>
+            <ac:spMk id="3" creationId="{00000000-0000-0000-0000-000000000000}"/>
+          </ac:spMkLst>
+        </pc:spChg>
+        <pc:spChg chg="mod">
+          <ac:chgData name="Sonia Tara Hegde" userId="d93a2558-a889-4521-bcb4-6ed3fce9e012" providerId="ADAL" clId="{8F23145C-A13B-A342-8814-4A755A7320F9}" dt="2025-05-19T23:12:06.166" v="557" actId="1036"/>
+          <ac:spMkLst>
+            <pc:docMk/>
+            <pc:sldMk cId="0" sldId="257"/>
+            <ac:spMk id="4" creationId="{00000000-0000-0000-0000-000000000000}"/>
+          </ac:spMkLst>
+        </pc:spChg>
+        <pc:spChg chg="del mod">
+          <ac:chgData name="Sonia Tara Hegde" userId="d93a2558-a889-4521-bcb4-6ed3fce9e012" providerId="ADAL" clId="{8F23145C-A13B-A342-8814-4A755A7320F9}" dt="2025-05-19T23:12:18.274" v="558" actId="478"/>
+          <ac:spMkLst>
+            <pc:docMk/>
+            <pc:sldMk cId="0" sldId="257"/>
+            <ac:spMk id="5" creationId="{00000000-0000-0000-0000-000000000000}"/>
+          </ac:spMkLst>
+        </pc:spChg>
+        <pc:spChg chg="del mod">
+          <ac:chgData name="Sonia Tara Hegde" userId="d93a2558-a889-4521-bcb4-6ed3fce9e012" providerId="ADAL" clId="{8F23145C-A13B-A342-8814-4A755A7320F9}" dt="2025-05-19T23:12:18.274" v="558" actId="478"/>
+          <ac:spMkLst>
+            <pc:docMk/>
+            <pc:sldMk cId="0" sldId="257"/>
+            <ac:spMk id="6" creationId="{00000000-0000-0000-0000-000000000000}"/>
+          </ac:spMkLst>
+        </pc:spChg>
+        <pc:spChg chg="del mod">
+          <ac:chgData name="Sonia Tara Hegde" userId="d93a2558-a889-4521-bcb4-6ed3fce9e012" providerId="ADAL" clId="{8F23145C-A13B-A342-8814-4A755A7320F9}" dt="2025-05-19T23:12:18.274" v="558" actId="478"/>
+          <ac:spMkLst>
+            <pc:docMk/>
+            <pc:sldMk cId="0" sldId="257"/>
+            <ac:spMk id="7" creationId="{00000000-0000-0000-0000-000000000000}"/>
+          </ac:spMkLst>
+        </pc:spChg>
+        <pc:spChg chg="del mod">
+          <ac:chgData name="Sonia Tara Hegde" userId="d93a2558-a889-4521-bcb4-6ed3fce9e012" providerId="ADAL" clId="{8F23145C-A13B-A342-8814-4A755A7320F9}" dt="2025-05-19T23:12:18.274" v="558" actId="478"/>
+          <ac:spMkLst>
+            <pc:docMk/>
+            <pc:sldMk cId="0" sldId="257"/>
+            <ac:spMk id="8" creationId="{00000000-0000-0000-0000-000000000000}"/>
+          </ac:spMkLst>
+        </pc:spChg>
+        <pc:spChg chg="del mod">
+          <ac:chgData name="Sonia Tara Hegde" userId="d93a2558-a889-4521-bcb4-6ed3fce9e012" providerId="ADAL" clId="{8F23145C-A13B-A342-8814-4A755A7320F9}" dt="2025-05-19T23:12:18.274" v="558" actId="478"/>
+          <ac:spMkLst>
+            <pc:docMk/>
+            <pc:sldMk cId="0" sldId="257"/>
+            <ac:spMk id="10" creationId="{00000000-0000-0000-0000-000000000000}"/>
+          </ac:spMkLst>
+        </pc:spChg>
+        <pc:spChg chg="del mod">
+          <ac:chgData name="Sonia Tara Hegde" userId="d93a2558-a889-4521-bcb4-6ed3fce9e012" providerId="ADAL" clId="{8F23145C-A13B-A342-8814-4A755A7320F9}" dt="2025-05-19T23:12:18.274" v="558" actId="478"/>
+          <ac:spMkLst>
+            <pc:docMk/>
+            <pc:sldMk cId="0" sldId="257"/>
+            <ac:spMk id="11" creationId="{00000000-0000-0000-0000-000000000000}"/>
+          </ac:spMkLst>
+        </pc:spChg>
+        <pc:spChg chg="del mod">
+          <ac:chgData name="Sonia Tara Hegde" userId="d93a2558-a889-4521-bcb4-6ed3fce9e012" providerId="ADAL" clId="{8F23145C-A13B-A342-8814-4A755A7320F9}" dt="2025-05-19T23:12:18.274" v="558" actId="478"/>
+          <ac:spMkLst>
+            <pc:docMk/>
+            <pc:sldMk cId="0" sldId="257"/>
+            <ac:spMk id="13" creationId="{00000000-0000-0000-0000-000000000000}"/>
+          </ac:spMkLst>
+        </pc:spChg>
+        <pc:spChg chg="del mod">
+          <ac:chgData name="Sonia Tara Hegde" userId="d93a2558-a889-4521-bcb4-6ed3fce9e012" providerId="ADAL" clId="{8F23145C-A13B-A342-8814-4A755A7320F9}" dt="2025-05-19T23:12:18.274" v="558" actId="478"/>
+          <ac:spMkLst>
+            <pc:docMk/>
+            <pc:sldMk cId="0" sldId="257"/>
+            <ac:spMk id="14" creationId="{00000000-0000-0000-0000-000000000000}"/>
+          </ac:spMkLst>
+        </pc:spChg>
+        <pc:spChg chg="mod">
+          <ac:chgData name="Sonia Tara Hegde" userId="d93a2558-a889-4521-bcb4-6ed3fce9e012" providerId="ADAL" clId="{8F23145C-A13B-A342-8814-4A755A7320F9}" dt="2025-05-19T23:09:26.530" v="467"/>
+          <ac:spMkLst>
+            <pc:docMk/>
+            <pc:sldMk cId="0" sldId="257"/>
+            <ac:spMk id="15" creationId="{00000000-0000-0000-0000-000000000000}"/>
+          </ac:spMkLst>
+        </pc:spChg>
+        <pc:picChg chg="add mod">
+          <ac:chgData name="Sonia Tara Hegde" userId="d93a2558-a889-4521-bcb4-6ed3fce9e012" providerId="ADAL" clId="{8F23145C-A13B-A342-8814-4A755A7320F9}" dt="2025-05-19T23:12:31.819" v="562" actId="14100"/>
+          <ac:picMkLst>
+            <pc:docMk/>
+            <pc:sldMk cId="0" sldId="257"/>
+            <ac:picMk id="16" creationId="{32C51CF5-DE19-199D-612C-33558CE3A7C3}"/>
+          </ac:picMkLst>
+        </pc:picChg>
+      </pc:sldChg>
       <pc:sldChg chg="modSp del mod">
         <pc:chgData name="Sonia Tara Hegde" userId="d93a2558-a889-4521-bcb4-6ed3fce9e012" providerId="ADAL" clId="{8F23145C-A13B-A342-8814-4A755A7320F9}" dt="2025-05-13T22:08:55.192" v="145" actId="2696"/>
         <pc:sldMkLst>
           <pc:docMk/>
           <pc:sldMk cId="667854191" sldId="257"/>
         </pc:sldMkLst>
+      </pc:sldChg>
+      <pc:sldChg chg="modSp mod">
+        <pc:chgData name="Sonia Tara Hegde" userId="d93a2558-a889-4521-bcb4-6ed3fce9e012" providerId="ADAL" clId="{8F23145C-A13B-A342-8814-4A755A7320F9}" dt="2025-05-19T16:30:38.848" v="158" actId="113"/>
+        <pc:sldMkLst>
+          <pc:docMk/>
+          <pc:sldMk cId="0" sldId="258"/>
+        </pc:sldMkLst>
         <pc:spChg chg="mod">
-          <ac:chgData name="Sonia Tara Hegde" userId="d93a2558-a889-4521-bcb4-6ed3fce9e012" providerId="ADAL" clId="{8F23145C-A13B-A342-8814-4A755A7320F9}" dt="2025-05-13T22:08:49.876" v="144" actId="1076"/>
+          <ac:chgData name="Sonia Tara Hegde" userId="d93a2558-a889-4521-bcb4-6ed3fce9e012" providerId="ADAL" clId="{8F23145C-A13B-A342-8814-4A755A7320F9}" dt="2025-05-19T16:30:38.848" v="158" actId="113"/>
           <ac:spMkLst>
             <pc:docMk/>
-            <pc:sldMk cId="667854191" sldId="257"/>
-            <ac:spMk id="4" creationId="{06C694A5-F9E5-237C-AF1C-4F6A7181AB37}"/>
+            <pc:sldMk cId="0" sldId="258"/>
+            <ac:spMk id="3" creationId="{00000000-0000-0000-0000-000000000000}"/>
+          </ac:spMkLst>
+        </pc:spChg>
+      </pc:sldChg>
+      <pc:sldChg chg="addSp modSp mod modAnim">
+        <pc:chgData name="Sonia Tara Hegde" userId="d93a2558-a889-4521-bcb4-6ed3fce9e012" providerId="ADAL" clId="{8F23145C-A13B-A342-8814-4A755A7320F9}" dt="2025-05-19T16:43:11.742" v="320" actId="14100"/>
+        <pc:sldMkLst>
+          <pc:docMk/>
+          <pc:sldMk cId="0" sldId="267"/>
+        </pc:sldMkLst>
+        <pc:spChg chg="add mod">
+          <ac:chgData name="Sonia Tara Hegde" userId="d93a2558-a889-4521-bcb4-6ed3fce9e012" providerId="ADAL" clId="{8F23145C-A13B-A342-8814-4A755A7320F9}" dt="2025-05-19T16:43:11.742" v="320" actId="14100"/>
+          <ac:spMkLst>
+            <pc:docMk/>
+            <pc:sldMk cId="0" sldId="267"/>
+            <ac:spMk id="5" creationId="{F9BD13D4-F595-F538-778A-0E4833B12DF1}"/>
+          </ac:spMkLst>
+        </pc:spChg>
+      </pc:sldChg>
+      <pc:sldChg chg="modSp mod">
+        <pc:chgData name="Sonia Tara Hegde" userId="d93a2558-a889-4521-bcb4-6ed3fce9e012" providerId="ADAL" clId="{8F23145C-A13B-A342-8814-4A755A7320F9}" dt="2025-05-19T16:30:55.240" v="159" actId="20577"/>
+        <pc:sldMkLst>
+          <pc:docMk/>
+          <pc:sldMk cId="0" sldId="268"/>
+        </pc:sldMkLst>
+        <pc:spChg chg="mod">
+          <ac:chgData name="Sonia Tara Hegde" userId="d93a2558-a889-4521-bcb4-6ed3fce9e012" providerId="ADAL" clId="{8F23145C-A13B-A342-8814-4A755A7320F9}" dt="2025-05-19T16:30:55.240" v="159" actId="20577"/>
+          <ac:spMkLst>
+            <pc:docMk/>
+            <pc:sldMk cId="0" sldId="268"/>
+            <ac:spMk id="2" creationId="{00000000-0000-0000-0000-000000000000}"/>
+          </ac:spMkLst>
+        </pc:spChg>
+      </pc:sldChg>
+      <pc:sldChg chg="addSp modSp mod modAnim">
+        <pc:chgData name="Sonia Tara Hegde" userId="d93a2558-a889-4521-bcb4-6ed3fce9e012" providerId="ADAL" clId="{8F23145C-A13B-A342-8814-4A755A7320F9}" dt="2025-05-19T16:42:14.231" v="317" actId="1036"/>
+        <pc:sldMkLst>
+          <pc:docMk/>
+          <pc:sldMk cId="3291686408" sldId="269"/>
+        </pc:sldMkLst>
+        <pc:spChg chg="add mod">
+          <ac:chgData name="Sonia Tara Hegde" userId="d93a2558-a889-4521-bcb4-6ed3fce9e012" providerId="ADAL" clId="{8F23145C-A13B-A342-8814-4A755A7320F9}" dt="2025-05-19T16:42:14.231" v="317" actId="1036"/>
+          <ac:spMkLst>
+            <pc:docMk/>
+            <pc:sldMk cId="3291686408" sldId="269"/>
+            <ac:spMk id="5" creationId="{33E650D4-80FF-F20A-7724-B19EA1757E43}"/>
+          </ac:spMkLst>
+        </pc:spChg>
+        <pc:graphicFrameChg chg="mod modGraphic">
+          <ac:chgData name="Sonia Tara Hegde" userId="d93a2558-a889-4521-bcb4-6ed3fce9e012" providerId="ADAL" clId="{8F23145C-A13B-A342-8814-4A755A7320F9}" dt="2025-05-19T16:38:15.859" v="200"/>
+          <ac:graphicFrameMkLst>
+            <pc:docMk/>
+            <pc:sldMk cId="3291686408" sldId="269"/>
+            <ac:graphicFrameMk id="8" creationId="{B30C225E-ABDC-F3E2-87B1-BAE537AA3FE8}"/>
+          </ac:graphicFrameMkLst>
+        </pc:graphicFrameChg>
+        <pc:cxnChg chg="add mod">
+          <ac:chgData name="Sonia Tara Hegde" userId="d93a2558-a889-4521-bcb4-6ed3fce9e012" providerId="ADAL" clId="{8F23145C-A13B-A342-8814-4A755A7320F9}" dt="2025-05-19T16:38:29.084" v="201" actId="692"/>
+          <ac:cxnSpMkLst>
+            <pc:docMk/>
+            <pc:sldMk cId="3291686408" sldId="269"/>
+            <ac:cxnSpMk id="4" creationId="{B3AF5190-F114-D88F-816F-3816200867C6}"/>
+          </ac:cxnSpMkLst>
+        </pc:cxnChg>
+      </pc:sldChg>
+      <pc:sldChg chg="modSp mod">
+        <pc:chgData name="Sonia Tara Hegde" userId="d93a2558-a889-4521-bcb4-6ed3fce9e012" providerId="ADAL" clId="{8F23145C-A13B-A342-8814-4A755A7320F9}" dt="2025-05-19T16:55:39.350" v="463" actId="20577"/>
+        <pc:sldMkLst>
+          <pc:docMk/>
+          <pc:sldMk cId="2521875316" sldId="270"/>
+        </pc:sldMkLst>
+        <pc:spChg chg="mod">
+          <ac:chgData name="Sonia Tara Hegde" userId="d93a2558-a889-4521-bcb4-6ed3fce9e012" providerId="ADAL" clId="{8F23145C-A13B-A342-8814-4A755A7320F9}" dt="2025-05-19T16:55:39.350" v="463" actId="20577"/>
+          <ac:spMkLst>
+            <pc:docMk/>
+            <pc:sldMk cId="2521875316" sldId="270"/>
+            <ac:spMk id="2" creationId="{0E36C48E-C5F1-5670-EAA8-EB3FE9AB3048}"/>
+          </ac:spMkLst>
+        </pc:spChg>
+        <pc:spChg chg="mod">
+          <ac:chgData name="Sonia Tara Hegde" userId="d93a2558-a889-4521-bcb4-6ed3fce9e012" providerId="ADAL" clId="{8F23145C-A13B-A342-8814-4A755A7320F9}" dt="2025-05-19T16:49:32.199" v="453" actId="20577"/>
+          <ac:spMkLst>
+            <pc:docMk/>
+            <pc:sldMk cId="2521875316" sldId="270"/>
+            <ac:spMk id="3" creationId="{53B4D05D-8DC2-2F18-D8CA-69FD5742F203}"/>
+          </ac:spMkLst>
+        </pc:spChg>
+      </pc:sldChg>
+      <pc:sldChg chg="addSp delSp modSp new mod">
+        <pc:chgData name="Sonia Tara Hegde" userId="d93a2558-a889-4521-bcb4-6ed3fce9e012" providerId="ADAL" clId="{8F23145C-A13B-A342-8814-4A755A7320F9}" dt="2025-05-19T16:48:15.774" v="403" actId="478"/>
+        <pc:sldMkLst>
+          <pc:docMk/>
+          <pc:sldMk cId="173502923" sldId="271"/>
+        </pc:sldMkLst>
+        <pc:spChg chg="mod">
+          <ac:chgData name="Sonia Tara Hegde" userId="d93a2558-a889-4521-bcb4-6ed3fce9e012" providerId="ADAL" clId="{8F23145C-A13B-A342-8814-4A755A7320F9}" dt="2025-05-19T16:44:38.974" v="398" actId="114"/>
+          <ac:spMkLst>
+            <pc:docMk/>
+            <pc:sldMk cId="173502923" sldId="271"/>
+            <ac:spMk id="2" creationId="{C734AC06-1E42-8C43-D13A-C20ADF533B8C}"/>
+          </ac:spMkLst>
+        </pc:spChg>
+        <pc:spChg chg="del">
+          <ac:chgData name="Sonia Tara Hegde" userId="d93a2558-a889-4521-bcb4-6ed3fce9e012" providerId="ADAL" clId="{8F23145C-A13B-A342-8814-4A755A7320F9}" dt="2025-05-19T16:35:43.820" v="161" actId="478"/>
+          <ac:spMkLst>
+            <pc:docMk/>
+            <pc:sldMk cId="173502923" sldId="271"/>
+            <ac:spMk id="3" creationId="{D06BC761-60D3-A578-9552-2C1CE28B8FA1}"/>
+          </ac:spMkLst>
+        </pc:spChg>
+        <pc:spChg chg="add del mod topLvl">
+          <ac:chgData name="Sonia Tara Hegde" userId="d93a2558-a889-4521-bcb4-6ed3fce9e012" providerId="ADAL" clId="{8F23145C-A13B-A342-8814-4A755A7320F9}" dt="2025-05-19T16:48:15.774" v="403" actId="478"/>
+          <ac:spMkLst>
+            <pc:docMk/>
+            <pc:sldMk cId="173502923" sldId="271"/>
+            <ac:spMk id="5" creationId="{1AB433BD-95B8-F471-5A03-C196613E4469}"/>
+          </ac:spMkLst>
+        </pc:spChg>
+        <pc:grpChg chg="add del mod">
+          <ac:chgData name="Sonia Tara Hegde" userId="d93a2558-a889-4521-bcb4-6ed3fce9e012" providerId="ADAL" clId="{8F23145C-A13B-A342-8814-4A755A7320F9}" dt="2025-05-19T16:48:15.774" v="403" actId="478"/>
+          <ac:grpSpMkLst>
+            <pc:docMk/>
+            <pc:sldMk cId="173502923" sldId="271"/>
+            <ac:grpSpMk id="6" creationId="{D69E35B1-9D1E-9716-40E7-8DC2007ECE38}"/>
+          </ac:grpSpMkLst>
+        </pc:grpChg>
+        <pc:picChg chg="add mod topLvl">
+          <ac:chgData name="Sonia Tara Hegde" userId="d93a2558-a889-4521-bcb4-6ed3fce9e012" providerId="ADAL" clId="{8F23145C-A13B-A342-8814-4A755A7320F9}" dt="2025-05-19T16:48:15.774" v="403" actId="478"/>
+          <ac:picMkLst>
+            <pc:docMk/>
+            <pc:sldMk cId="173502923" sldId="271"/>
+            <ac:picMk id="4" creationId="{92C31D8B-0D3F-F5A8-3A4D-DF92A430B246}"/>
+          </ac:picMkLst>
+        </pc:picChg>
+      </pc:sldChg>
+      <pc:sldChg chg="delSp new del mod">
+        <pc:chgData name="Sonia Tara Hegde" userId="d93a2558-a889-4521-bcb4-6ed3fce9e012" providerId="ADAL" clId="{8F23145C-A13B-A342-8814-4A755A7320F9}" dt="2025-05-19T23:09:34.113" v="468" actId="2696"/>
+        <pc:sldMkLst>
+          <pc:docMk/>
+          <pc:sldMk cId="2468763933" sldId="272"/>
+        </pc:sldMkLst>
+        <pc:spChg chg="del">
+          <ac:chgData name="Sonia Tara Hegde" userId="d93a2558-a889-4521-bcb4-6ed3fce9e012" providerId="ADAL" clId="{8F23145C-A13B-A342-8814-4A755A7320F9}" dt="2025-05-19T23:07:18.582" v="466" actId="478"/>
+          <ac:spMkLst>
+            <pc:docMk/>
+            <pc:sldMk cId="2468763933" sldId="272"/>
+            <ac:spMk id="2" creationId="{C0BBA828-2EDE-7053-280F-A1B21BBF18DB}"/>
+          </ac:spMkLst>
+        </pc:spChg>
+        <pc:spChg chg="del">
+          <ac:chgData name="Sonia Tara Hegde" userId="d93a2558-a889-4521-bcb4-6ed3fce9e012" providerId="ADAL" clId="{8F23145C-A13B-A342-8814-4A755A7320F9}" dt="2025-05-19T23:07:16.797" v="465" actId="478"/>
+          <ac:spMkLst>
+            <pc:docMk/>
+            <pc:sldMk cId="2468763933" sldId="272"/>
+            <ac:spMk id="3" creationId="{70C4C719-51FF-787B-62C9-DFA2519D1ACF}"/>
+          </ac:spMkLst>
+        </pc:spChg>
+      </pc:sldChg>
+      <pc:sldChg chg="addSp modSp add del mod">
+        <pc:chgData name="Sonia Tara Hegde" userId="d93a2558-a889-4521-bcb4-6ed3fce9e012" providerId="ADAL" clId="{8F23145C-A13B-A342-8814-4A755A7320F9}" dt="2025-05-19T23:11:52.132" v="520" actId="2696"/>
+        <pc:sldMkLst>
+          <pc:docMk/>
+          <pc:sldMk cId="0" sldId="273"/>
+        </pc:sldMkLst>
+        <pc:spChg chg="mod">
+          <ac:chgData name="Sonia Tara Hegde" userId="d93a2558-a889-4521-bcb4-6ed3fce9e012" providerId="ADAL" clId="{8F23145C-A13B-A342-8814-4A755A7320F9}" dt="2025-05-19T23:10:31.058" v="508" actId="1035"/>
+          <ac:spMkLst>
+            <pc:docMk/>
+            <pc:sldMk cId="0" sldId="273"/>
+            <ac:spMk id="2" creationId="{00000000-0000-0000-0000-000000000000}"/>
+          </ac:spMkLst>
+        </pc:spChg>
+        <pc:spChg chg="mod">
+          <ac:chgData name="Sonia Tara Hegde" userId="d93a2558-a889-4521-bcb4-6ed3fce9e012" providerId="ADAL" clId="{8F23145C-A13B-A342-8814-4A755A7320F9}" dt="2025-05-19T23:10:31.058" v="508" actId="1035"/>
+          <ac:spMkLst>
+            <pc:docMk/>
+            <pc:sldMk cId="0" sldId="273"/>
+            <ac:spMk id="3" creationId="{00000000-0000-0000-0000-000000000000}"/>
+          </ac:spMkLst>
+        </pc:spChg>
+        <pc:spChg chg="mod">
+          <ac:chgData name="Sonia Tara Hegde" userId="d93a2558-a889-4521-bcb4-6ed3fce9e012" providerId="ADAL" clId="{8F23145C-A13B-A342-8814-4A755A7320F9}" dt="2025-05-19T23:09:26.530" v="467"/>
+          <ac:spMkLst>
+            <pc:docMk/>
+            <pc:sldMk cId="0" sldId="273"/>
+            <ac:spMk id="4" creationId="{00000000-0000-0000-0000-000000000000}"/>
+          </ac:spMkLst>
+        </pc:spChg>
+        <pc:spChg chg="add mod">
+          <ac:chgData name="Sonia Tara Hegde" userId="d93a2558-a889-4521-bcb4-6ed3fce9e012" providerId="ADAL" clId="{8F23145C-A13B-A342-8814-4A755A7320F9}" dt="2025-05-19T23:10:58.557" v="519" actId="1035"/>
+          <ac:spMkLst>
+            <pc:docMk/>
+            <pc:sldMk cId="0" sldId="273"/>
+            <ac:spMk id="5" creationId="{82C0BB36-3F48-2647-5C4B-23A96BDFCF51}"/>
+          </ac:spMkLst>
+        </pc:spChg>
+      </pc:sldChg>
+      <pc:sldChg chg="addSp delSp modSp add del mod">
+        <pc:chgData name="Sonia Tara Hegde" userId="d93a2558-a889-4521-bcb4-6ed3fce9e012" providerId="ADAL" clId="{8F23145C-A13B-A342-8814-4A755A7320F9}" dt="2025-05-19T23:14:36.610" v="589" actId="2696"/>
+        <pc:sldMkLst>
+          <pc:docMk/>
+          <pc:sldMk cId="0" sldId="274"/>
+        </pc:sldMkLst>
+        <pc:spChg chg="del">
+          <ac:chgData name="Sonia Tara Hegde" userId="d93a2558-a889-4521-bcb4-6ed3fce9e012" providerId="ADAL" clId="{8F23145C-A13B-A342-8814-4A755A7320F9}" dt="2025-05-19T23:12:54.313" v="563" actId="478"/>
+          <ac:spMkLst>
+            <pc:docMk/>
+            <pc:sldMk cId="0" sldId="274"/>
+            <ac:spMk id="2" creationId="{00000000-0000-0000-0000-000000000000}"/>
+          </ac:spMkLst>
+        </pc:spChg>
+        <pc:spChg chg="del">
+          <ac:chgData name="Sonia Tara Hegde" userId="d93a2558-a889-4521-bcb4-6ed3fce9e012" providerId="ADAL" clId="{8F23145C-A13B-A342-8814-4A755A7320F9}" dt="2025-05-19T23:12:54.313" v="563" actId="478"/>
+          <ac:spMkLst>
+            <pc:docMk/>
+            <pc:sldMk cId="0" sldId="274"/>
+            <ac:spMk id="3" creationId="{00000000-0000-0000-0000-000000000000}"/>
+          </ac:spMkLst>
+        </pc:spChg>
+        <pc:spChg chg="del">
+          <ac:chgData name="Sonia Tara Hegde" userId="d93a2558-a889-4521-bcb4-6ed3fce9e012" providerId="ADAL" clId="{8F23145C-A13B-A342-8814-4A755A7320F9}" dt="2025-05-19T23:12:54.313" v="563" actId="478"/>
+          <ac:spMkLst>
+            <pc:docMk/>
+            <pc:sldMk cId="0" sldId="274"/>
+            <ac:spMk id="4" creationId="{00000000-0000-0000-0000-000000000000}"/>
+          </ac:spMkLst>
+        </pc:spChg>
+        <pc:spChg chg="del">
+          <ac:chgData name="Sonia Tara Hegde" userId="d93a2558-a889-4521-bcb4-6ed3fce9e012" providerId="ADAL" clId="{8F23145C-A13B-A342-8814-4A755A7320F9}" dt="2025-05-19T23:12:54.313" v="563" actId="478"/>
+          <ac:spMkLst>
+            <pc:docMk/>
+            <pc:sldMk cId="0" sldId="274"/>
+            <ac:spMk id="5" creationId="{00000000-0000-0000-0000-000000000000}"/>
+          </ac:spMkLst>
+        </pc:spChg>
+        <pc:spChg chg="del">
+          <ac:chgData name="Sonia Tara Hegde" userId="d93a2558-a889-4521-bcb4-6ed3fce9e012" providerId="ADAL" clId="{8F23145C-A13B-A342-8814-4A755A7320F9}" dt="2025-05-19T23:12:54.313" v="563" actId="478"/>
+          <ac:spMkLst>
+            <pc:docMk/>
+            <pc:sldMk cId="0" sldId="274"/>
+            <ac:spMk id="6" creationId="{00000000-0000-0000-0000-000000000000}"/>
+          </ac:spMkLst>
+        </pc:spChg>
+        <pc:spChg chg="del">
+          <ac:chgData name="Sonia Tara Hegde" userId="d93a2558-a889-4521-bcb4-6ed3fce9e012" providerId="ADAL" clId="{8F23145C-A13B-A342-8814-4A755A7320F9}" dt="2025-05-19T23:12:54.313" v="563" actId="478"/>
+          <ac:spMkLst>
+            <pc:docMk/>
+            <pc:sldMk cId="0" sldId="274"/>
+            <ac:spMk id="7" creationId="{00000000-0000-0000-0000-000000000000}"/>
+          </ac:spMkLst>
+        </pc:spChg>
+        <pc:spChg chg="del">
+          <ac:chgData name="Sonia Tara Hegde" userId="d93a2558-a889-4521-bcb4-6ed3fce9e012" providerId="ADAL" clId="{8F23145C-A13B-A342-8814-4A755A7320F9}" dt="2025-05-19T23:12:54.313" v="563" actId="478"/>
+          <ac:spMkLst>
+            <pc:docMk/>
+            <pc:sldMk cId="0" sldId="274"/>
+            <ac:spMk id="8" creationId="{00000000-0000-0000-0000-000000000000}"/>
+          </ac:spMkLst>
+        </pc:spChg>
+        <pc:spChg chg="del">
+          <ac:chgData name="Sonia Tara Hegde" userId="d93a2558-a889-4521-bcb4-6ed3fce9e012" providerId="ADAL" clId="{8F23145C-A13B-A342-8814-4A755A7320F9}" dt="2025-05-19T23:12:54.313" v="563" actId="478"/>
+          <ac:spMkLst>
+            <pc:docMk/>
+            <pc:sldMk cId="0" sldId="274"/>
+            <ac:spMk id="9" creationId="{00000000-0000-0000-0000-000000000000}"/>
+          </ac:spMkLst>
+        </pc:spChg>
+        <pc:spChg chg="del">
+          <ac:chgData name="Sonia Tara Hegde" userId="d93a2558-a889-4521-bcb4-6ed3fce9e012" providerId="ADAL" clId="{8F23145C-A13B-A342-8814-4A755A7320F9}" dt="2025-05-19T23:12:54.313" v="563" actId="478"/>
+          <ac:spMkLst>
+            <pc:docMk/>
+            <pc:sldMk cId="0" sldId="274"/>
+            <ac:spMk id="10" creationId="{00000000-0000-0000-0000-000000000000}"/>
+          </ac:spMkLst>
+        </pc:spChg>
+        <pc:spChg chg="del">
+          <ac:chgData name="Sonia Tara Hegde" userId="d93a2558-a889-4521-bcb4-6ed3fce9e012" providerId="ADAL" clId="{8F23145C-A13B-A342-8814-4A755A7320F9}" dt="2025-05-19T23:12:54.313" v="563" actId="478"/>
+          <ac:spMkLst>
+            <pc:docMk/>
+            <pc:sldMk cId="0" sldId="274"/>
+            <ac:spMk id="11" creationId="{00000000-0000-0000-0000-000000000000}"/>
+          </ac:spMkLst>
+        </pc:spChg>
+        <pc:spChg chg="mod">
+          <ac:chgData name="Sonia Tara Hegde" userId="d93a2558-a889-4521-bcb4-6ed3fce9e012" providerId="ADAL" clId="{8F23145C-A13B-A342-8814-4A755A7320F9}" dt="2025-05-19T23:09:26.530" v="467"/>
+          <ac:spMkLst>
+            <pc:docMk/>
+            <pc:sldMk cId="0" sldId="274"/>
+            <ac:spMk id="12" creationId="{00000000-0000-0000-0000-000000000000}"/>
+          </ac:spMkLst>
+        </pc:spChg>
+        <pc:picChg chg="add mod">
+          <ac:chgData name="Sonia Tara Hegde" userId="d93a2558-a889-4521-bcb4-6ed3fce9e012" providerId="ADAL" clId="{8F23145C-A13B-A342-8814-4A755A7320F9}" dt="2025-05-19T23:13:06.728" v="567" actId="14100"/>
+          <ac:picMkLst>
+            <pc:docMk/>
+            <pc:sldMk cId="0" sldId="274"/>
+            <ac:picMk id="13" creationId="{DB8823E9-989E-B1B9-D264-215A325B7F35}"/>
+          </ac:picMkLst>
+        </pc:picChg>
+      </pc:sldChg>
+      <pc:sldChg chg="modSp add del">
+        <pc:chgData name="Sonia Tara Hegde" userId="d93a2558-a889-4521-bcb4-6ed3fce9e012" providerId="ADAL" clId="{8F23145C-A13B-A342-8814-4A755A7320F9}" dt="2025-05-19T23:14:36.539" v="588" actId="2696"/>
+        <pc:sldMkLst>
+          <pc:docMk/>
+          <pc:sldMk cId="0" sldId="275"/>
+        </pc:sldMkLst>
+        <pc:spChg chg="mod">
+          <ac:chgData name="Sonia Tara Hegde" userId="d93a2558-a889-4521-bcb4-6ed3fce9e012" providerId="ADAL" clId="{8F23145C-A13B-A342-8814-4A755A7320F9}" dt="2025-05-19T23:09:26.530" v="467"/>
+          <ac:spMkLst>
+            <pc:docMk/>
+            <pc:sldMk cId="0" sldId="275"/>
+            <ac:spMk id="14" creationId="{00000000-0000-0000-0000-000000000000}"/>
+          </ac:spMkLst>
+        </pc:spChg>
+      </pc:sldChg>
+      <pc:sldChg chg="modSp add del">
+        <pc:chgData name="Sonia Tara Hegde" userId="d93a2558-a889-4521-bcb4-6ed3fce9e012" providerId="ADAL" clId="{8F23145C-A13B-A342-8814-4A755A7320F9}" dt="2025-05-19T23:14:36.530" v="587" actId="2696"/>
+        <pc:sldMkLst>
+          <pc:docMk/>
+          <pc:sldMk cId="0" sldId="276"/>
+        </pc:sldMkLst>
+        <pc:spChg chg="mod">
+          <ac:chgData name="Sonia Tara Hegde" userId="d93a2558-a889-4521-bcb4-6ed3fce9e012" providerId="ADAL" clId="{8F23145C-A13B-A342-8814-4A755A7320F9}" dt="2025-05-19T23:09:26.530" v="467"/>
+          <ac:spMkLst>
+            <pc:docMk/>
+            <pc:sldMk cId="0" sldId="276"/>
+            <ac:spMk id="13" creationId="{00000000-0000-0000-0000-000000000000}"/>
+          </ac:spMkLst>
+        </pc:spChg>
+      </pc:sldChg>
+      <pc:sldChg chg="modSp add del">
+        <pc:chgData name="Sonia Tara Hegde" userId="d93a2558-a889-4521-bcb4-6ed3fce9e012" providerId="ADAL" clId="{8F23145C-A13B-A342-8814-4A755A7320F9}" dt="2025-05-19T23:14:36.273" v="577" actId="2696"/>
+        <pc:sldMkLst>
+          <pc:docMk/>
+          <pc:sldMk cId="0" sldId="277"/>
+        </pc:sldMkLst>
+        <pc:spChg chg="mod">
+          <ac:chgData name="Sonia Tara Hegde" userId="d93a2558-a889-4521-bcb4-6ed3fce9e012" providerId="ADAL" clId="{8F23145C-A13B-A342-8814-4A755A7320F9}" dt="2025-05-19T23:09:26.530" v="467"/>
+          <ac:spMkLst>
+            <pc:docMk/>
+            <pc:sldMk cId="0" sldId="277"/>
+            <ac:spMk id="21" creationId="{00000000-0000-0000-0000-000000000000}"/>
+          </ac:spMkLst>
+        </pc:spChg>
+      </pc:sldChg>
+      <pc:sldChg chg="modSp add del">
+        <pc:chgData name="Sonia Tara Hegde" userId="d93a2558-a889-4521-bcb4-6ed3fce9e012" providerId="ADAL" clId="{8F23145C-A13B-A342-8814-4A755A7320F9}" dt="2025-05-19T23:14:36.296" v="578" actId="2696"/>
+        <pc:sldMkLst>
+          <pc:docMk/>
+          <pc:sldMk cId="0" sldId="278"/>
+        </pc:sldMkLst>
+        <pc:spChg chg="mod">
+          <ac:chgData name="Sonia Tara Hegde" userId="d93a2558-a889-4521-bcb4-6ed3fce9e012" providerId="ADAL" clId="{8F23145C-A13B-A342-8814-4A755A7320F9}" dt="2025-05-19T23:09:26.530" v="467"/>
+          <ac:spMkLst>
+            <pc:docMk/>
+            <pc:sldMk cId="0" sldId="278"/>
+            <ac:spMk id="10" creationId="{00000000-0000-0000-0000-000000000000}"/>
+          </ac:spMkLst>
+        </pc:spChg>
+      </pc:sldChg>
+      <pc:sldChg chg="modSp add del">
+        <pc:chgData name="Sonia Tara Hegde" userId="d93a2558-a889-4521-bcb4-6ed3fce9e012" providerId="ADAL" clId="{8F23145C-A13B-A342-8814-4A755A7320F9}" dt="2025-05-19T23:14:36.508" v="586" actId="2696"/>
+        <pc:sldMkLst>
+          <pc:docMk/>
+          <pc:sldMk cId="0" sldId="279"/>
+        </pc:sldMkLst>
+        <pc:spChg chg="mod">
+          <ac:chgData name="Sonia Tara Hegde" userId="d93a2558-a889-4521-bcb4-6ed3fce9e012" providerId="ADAL" clId="{8F23145C-A13B-A342-8814-4A755A7320F9}" dt="2025-05-19T23:09:26.530" v="467"/>
+          <ac:spMkLst>
+            <pc:docMk/>
+            <pc:sldMk cId="0" sldId="279"/>
+            <ac:spMk id="12" creationId="{00000000-0000-0000-0000-000000000000}"/>
+          </ac:spMkLst>
+        </pc:spChg>
+      </pc:sldChg>
+      <pc:sldChg chg="modSp add del">
+        <pc:chgData name="Sonia Tara Hegde" userId="d93a2558-a889-4521-bcb4-6ed3fce9e012" providerId="ADAL" clId="{8F23145C-A13B-A342-8814-4A755A7320F9}" dt="2025-05-19T23:14:36.263" v="576" actId="2696"/>
+        <pc:sldMkLst>
+          <pc:docMk/>
+          <pc:sldMk cId="0" sldId="280"/>
+        </pc:sldMkLst>
+        <pc:spChg chg="mod">
+          <ac:chgData name="Sonia Tara Hegde" userId="d93a2558-a889-4521-bcb4-6ed3fce9e012" providerId="ADAL" clId="{8F23145C-A13B-A342-8814-4A755A7320F9}" dt="2025-05-19T23:09:26.530" v="467"/>
+          <ac:spMkLst>
+            <pc:docMk/>
+            <pc:sldMk cId="0" sldId="280"/>
+            <ac:spMk id="19" creationId="{00000000-0000-0000-0000-000000000000}"/>
+          </ac:spMkLst>
+        </pc:spChg>
+      </pc:sldChg>
+      <pc:sldChg chg="modSp add del">
+        <pc:chgData name="Sonia Tara Hegde" userId="d93a2558-a889-4521-bcb4-6ed3fce9e012" providerId="ADAL" clId="{8F23145C-A13B-A342-8814-4A755A7320F9}" dt="2025-05-19T23:14:36.634" v="590" actId="2696"/>
+        <pc:sldMkLst>
+          <pc:docMk/>
+          <pc:sldMk cId="0" sldId="281"/>
+        </pc:sldMkLst>
+        <pc:spChg chg="mod">
+          <ac:chgData name="Sonia Tara Hegde" userId="d93a2558-a889-4521-bcb4-6ed3fce9e012" providerId="ADAL" clId="{8F23145C-A13B-A342-8814-4A755A7320F9}" dt="2025-05-19T23:09:26.530" v="467"/>
+          <ac:spMkLst>
+            <pc:docMk/>
+            <pc:sldMk cId="0" sldId="281"/>
+            <ac:spMk id="17" creationId="{00000000-0000-0000-0000-000000000000}"/>
+          </ac:spMkLst>
+        </pc:spChg>
+      </pc:sldChg>
+      <pc:sldChg chg="modSp add del">
+        <pc:chgData name="Sonia Tara Hegde" userId="d93a2558-a889-4521-bcb4-6ed3fce9e012" providerId="ADAL" clId="{8F23145C-A13B-A342-8814-4A755A7320F9}" dt="2025-05-19T23:14:36.254" v="575" actId="2696"/>
+        <pc:sldMkLst>
+          <pc:docMk/>
+          <pc:sldMk cId="0" sldId="282"/>
+        </pc:sldMkLst>
+        <pc:spChg chg="mod">
+          <ac:chgData name="Sonia Tara Hegde" userId="d93a2558-a889-4521-bcb4-6ed3fce9e012" providerId="ADAL" clId="{8F23145C-A13B-A342-8814-4A755A7320F9}" dt="2025-05-19T23:09:26.530" v="467"/>
+          <ac:spMkLst>
+            <pc:docMk/>
+            <pc:sldMk cId="0" sldId="282"/>
+            <ac:spMk id="11" creationId="{00000000-0000-0000-0000-000000000000}"/>
+          </ac:spMkLst>
+        </pc:spChg>
+      </pc:sldChg>
+      <pc:sldChg chg="modSp add del">
+        <pc:chgData name="Sonia Tara Hegde" userId="d93a2558-a889-4521-bcb4-6ed3fce9e012" providerId="ADAL" clId="{8F23145C-A13B-A342-8814-4A755A7320F9}" dt="2025-05-19T23:14:36.234" v="574" actId="2696"/>
+        <pc:sldMkLst>
+          <pc:docMk/>
+          <pc:sldMk cId="0" sldId="283"/>
+        </pc:sldMkLst>
+        <pc:spChg chg="mod">
+          <ac:chgData name="Sonia Tara Hegde" userId="d93a2558-a889-4521-bcb4-6ed3fce9e012" providerId="ADAL" clId="{8F23145C-A13B-A342-8814-4A755A7320F9}" dt="2025-05-19T23:09:26.530" v="467"/>
+          <ac:spMkLst>
+            <pc:docMk/>
+            <pc:sldMk cId="0" sldId="283"/>
+            <ac:spMk id="10" creationId="{00000000-0000-0000-0000-000000000000}"/>
+          </ac:spMkLst>
+        </pc:spChg>
+      </pc:sldChg>
+      <pc:sldChg chg="modSp add del">
+        <pc:chgData name="Sonia Tara Hegde" userId="d93a2558-a889-4521-bcb4-6ed3fce9e012" providerId="ADAL" clId="{8F23145C-A13B-A342-8814-4A755A7320F9}" dt="2025-05-19T23:14:36.325" v="580" actId="2696"/>
+        <pc:sldMkLst>
+          <pc:docMk/>
+          <pc:sldMk cId="0" sldId="284"/>
+        </pc:sldMkLst>
+        <pc:spChg chg="mod">
+          <ac:chgData name="Sonia Tara Hegde" userId="d93a2558-a889-4521-bcb4-6ed3fce9e012" providerId="ADAL" clId="{8F23145C-A13B-A342-8814-4A755A7320F9}" dt="2025-05-19T23:09:26.530" v="467"/>
+          <ac:spMkLst>
+            <pc:docMk/>
+            <pc:sldMk cId="0" sldId="284"/>
+            <ac:spMk id="6" creationId="{00000000-0000-0000-0000-000000000000}"/>
+          </ac:spMkLst>
+        </pc:spChg>
+      </pc:sldChg>
+      <pc:sldChg chg="modSp add del">
+        <pc:chgData name="Sonia Tara Hegde" userId="d93a2558-a889-4521-bcb4-6ed3fce9e012" providerId="ADAL" clId="{8F23145C-A13B-A342-8814-4A755A7320F9}" dt="2025-05-19T23:14:36.343" v="581" actId="2696"/>
+        <pc:sldMkLst>
+          <pc:docMk/>
+          <pc:sldMk cId="0" sldId="285"/>
+        </pc:sldMkLst>
+        <pc:spChg chg="mod">
+          <ac:chgData name="Sonia Tara Hegde" userId="d93a2558-a889-4521-bcb4-6ed3fce9e012" providerId="ADAL" clId="{8F23145C-A13B-A342-8814-4A755A7320F9}" dt="2025-05-19T23:09:26.530" v="467"/>
+          <ac:spMkLst>
+            <pc:docMk/>
+            <pc:sldMk cId="0" sldId="285"/>
+            <ac:spMk id="64" creationId="{00000000-0000-0000-0000-000000000000}"/>
+          </ac:spMkLst>
+        </pc:spChg>
+      </pc:sldChg>
+      <pc:sldChg chg="modSp add del">
+        <pc:chgData name="Sonia Tara Hegde" userId="d93a2558-a889-4521-bcb4-6ed3fce9e012" providerId="ADAL" clId="{8F23145C-A13B-A342-8814-4A755A7320F9}" dt="2025-05-19T23:14:36.413" v="584" actId="2696"/>
+        <pc:sldMkLst>
+          <pc:docMk/>
+          <pc:sldMk cId="0" sldId="286"/>
+        </pc:sldMkLst>
+        <pc:spChg chg="mod">
+          <ac:chgData name="Sonia Tara Hegde" userId="d93a2558-a889-4521-bcb4-6ed3fce9e012" providerId="ADAL" clId="{8F23145C-A13B-A342-8814-4A755A7320F9}" dt="2025-05-19T23:09:26.530" v="467"/>
+          <ac:spMkLst>
+            <pc:docMk/>
+            <pc:sldMk cId="0" sldId="286"/>
+            <ac:spMk id="40" creationId="{00000000-0000-0000-0000-000000000000}"/>
+          </ac:spMkLst>
+        </pc:spChg>
+      </pc:sldChg>
+      <pc:sldChg chg="modSp add del">
+        <pc:chgData name="Sonia Tara Hegde" userId="d93a2558-a889-4521-bcb4-6ed3fce9e012" providerId="ADAL" clId="{8F23145C-A13B-A342-8814-4A755A7320F9}" dt="2025-05-19T23:14:36.153" v="571" actId="2696"/>
+        <pc:sldMkLst>
+          <pc:docMk/>
+          <pc:sldMk cId="0" sldId="287"/>
+        </pc:sldMkLst>
+        <pc:spChg chg="mod">
+          <ac:chgData name="Sonia Tara Hegde" userId="d93a2558-a889-4521-bcb4-6ed3fce9e012" providerId="ADAL" clId="{8F23145C-A13B-A342-8814-4A755A7320F9}" dt="2025-05-19T23:09:26.530" v="467"/>
+          <ac:spMkLst>
+            <pc:docMk/>
+            <pc:sldMk cId="0" sldId="287"/>
+            <ac:spMk id="25" creationId="{00000000-0000-0000-0000-000000000000}"/>
+          </ac:spMkLst>
+        </pc:spChg>
+      </pc:sldChg>
+      <pc:sldChg chg="modSp add del">
+        <pc:chgData name="Sonia Tara Hegde" userId="d93a2558-a889-4521-bcb4-6ed3fce9e012" providerId="ADAL" clId="{8F23145C-A13B-A342-8814-4A755A7320F9}" dt="2025-05-19T23:14:36.314" v="579" actId="2696"/>
+        <pc:sldMkLst>
+          <pc:docMk/>
+          <pc:sldMk cId="0" sldId="288"/>
+        </pc:sldMkLst>
+        <pc:spChg chg="mod">
+          <ac:chgData name="Sonia Tara Hegde" userId="d93a2558-a889-4521-bcb4-6ed3fce9e012" providerId="ADAL" clId="{8F23145C-A13B-A342-8814-4A755A7320F9}" dt="2025-05-19T23:09:26.530" v="467"/>
+          <ac:spMkLst>
+            <pc:docMk/>
+            <pc:sldMk cId="0" sldId="288"/>
+            <ac:spMk id="35" creationId="{00000000-0000-0000-0000-000000000000}"/>
+          </ac:spMkLst>
+        </pc:spChg>
+      </pc:sldChg>
+      <pc:sldChg chg="modSp add del">
+        <pc:chgData name="Sonia Tara Hegde" userId="d93a2558-a889-4521-bcb4-6ed3fce9e012" providerId="ADAL" clId="{8F23145C-A13B-A342-8814-4A755A7320F9}" dt="2025-05-19T23:14:36.140" v="569" actId="2696"/>
+        <pc:sldMkLst>
+          <pc:docMk/>
+          <pc:sldMk cId="0" sldId="289"/>
+        </pc:sldMkLst>
+        <pc:spChg chg="mod">
+          <ac:chgData name="Sonia Tara Hegde" userId="d93a2558-a889-4521-bcb4-6ed3fce9e012" providerId="ADAL" clId="{8F23145C-A13B-A342-8814-4A755A7320F9}" dt="2025-05-19T23:09:26.530" v="467"/>
+          <ac:spMkLst>
+            <pc:docMk/>
+            <pc:sldMk cId="0" sldId="289"/>
+            <ac:spMk id="72" creationId="{00000000-0000-0000-0000-000000000000}"/>
+          </ac:spMkLst>
+        </pc:spChg>
+      </pc:sldChg>
+      <pc:sldChg chg="modSp add del">
+        <pc:chgData name="Sonia Tara Hegde" userId="d93a2558-a889-4521-bcb4-6ed3fce9e012" providerId="ADAL" clId="{8F23145C-A13B-A342-8814-4A755A7320F9}" dt="2025-05-19T23:14:36.359" v="582" actId="2696"/>
+        <pc:sldMkLst>
+          <pc:docMk/>
+          <pc:sldMk cId="0" sldId="290"/>
+        </pc:sldMkLst>
+        <pc:spChg chg="mod">
+          <ac:chgData name="Sonia Tara Hegde" userId="d93a2558-a889-4521-bcb4-6ed3fce9e012" providerId="ADAL" clId="{8F23145C-A13B-A342-8814-4A755A7320F9}" dt="2025-05-19T23:09:26.530" v="467"/>
+          <ac:spMkLst>
+            <pc:docMk/>
+            <pc:sldMk cId="0" sldId="290"/>
+            <ac:spMk id="85" creationId="{00000000-0000-0000-0000-000000000000}"/>
+          </ac:spMkLst>
+        </pc:spChg>
+      </pc:sldChg>
+      <pc:sldChg chg="modSp add del">
+        <pc:chgData name="Sonia Tara Hegde" userId="d93a2558-a889-4521-bcb4-6ed3fce9e012" providerId="ADAL" clId="{8F23145C-A13B-A342-8814-4A755A7320F9}" dt="2025-05-19T23:14:36.489" v="585" actId="2696"/>
+        <pc:sldMkLst>
+          <pc:docMk/>
+          <pc:sldMk cId="0" sldId="291"/>
+        </pc:sldMkLst>
+        <pc:spChg chg="mod">
+          <ac:chgData name="Sonia Tara Hegde" userId="d93a2558-a889-4521-bcb4-6ed3fce9e012" providerId="ADAL" clId="{8F23145C-A13B-A342-8814-4A755A7320F9}" dt="2025-05-19T23:09:26.530" v="467"/>
+          <ac:spMkLst>
+            <pc:docMk/>
+            <pc:sldMk cId="0" sldId="291"/>
+            <ac:spMk id="89" creationId="{00000000-0000-0000-0000-000000000000}"/>
+          </ac:spMkLst>
+        </pc:spChg>
+      </pc:sldChg>
+      <pc:sldChg chg="modSp add del">
+        <pc:chgData name="Sonia Tara Hegde" userId="d93a2558-a889-4521-bcb4-6ed3fce9e012" providerId="ADAL" clId="{8F23145C-A13B-A342-8814-4A755A7320F9}" dt="2025-05-19T23:14:36.397" v="583" actId="2696"/>
+        <pc:sldMkLst>
+          <pc:docMk/>
+          <pc:sldMk cId="0" sldId="292"/>
+        </pc:sldMkLst>
+        <pc:spChg chg="mod">
+          <ac:chgData name="Sonia Tara Hegde" userId="d93a2558-a889-4521-bcb4-6ed3fce9e012" providerId="ADAL" clId="{8F23145C-A13B-A342-8814-4A755A7320F9}" dt="2025-05-19T23:09:26.530" v="467"/>
+          <ac:spMkLst>
+            <pc:docMk/>
+            <pc:sldMk cId="0" sldId="292"/>
+            <ac:spMk id="22" creationId="{00000000-0000-0000-0000-000000000000}"/>
+          </ac:spMkLst>
+        </pc:spChg>
+      </pc:sldChg>
+      <pc:sldChg chg="modSp add del">
+        <pc:chgData name="Sonia Tara Hegde" userId="d93a2558-a889-4521-bcb4-6ed3fce9e012" providerId="ADAL" clId="{8F23145C-A13B-A342-8814-4A755A7320F9}" dt="2025-05-19T23:14:36.211" v="573" actId="2696"/>
+        <pc:sldMkLst>
+          <pc:docMk/>
+          <pc:sldMk cId="0" sldId="293"/>
+        </pc:sldMkLst>
+        <pc:spChg chg="mod">
+          <ac:chgData name="Sonia Tara Hegde" userId="d93a2558-a889-4521-bcb4-6ed3fce9e012" providerId="ADAL" clId="{8F23145C-A13B-A342-8814-4A755A7320F9}" dt="2025-05-19T23:09:26.530" v="467"/>
+          <ac:spMkLst>
+            <pc:docMk/>
+            <pc:sldMk cId="0" sldId="293"/>
+            <ac:spMk id="28" creationId="{00000000-0000-0000-0000-000000000000}"/>
+          </ac:spMkLst>
+        </pc:spChg>
+      </pc:sldChg>
+      <pc:sldChg chg="modSp add del">
+        <pc:chgData name="Sonia Tara Hegde" userId="d93a2558-a889-4521-bcb4-6ed3fce9e012" providerId="ADAL" clId="{8F23145C-A13B-A342-8814-4A755A7320F9}" dt="2025-05-19T23:14:36.145" v="570" actId="2696"/>
+        <pc:sldMkLst>
+          <pc:docMk/>
+          <pc:sldMk cId="0" sldId="294"/>
+        </pc:sldMkLst>
+        <pc:spChg chg="mod">
+          <ac:chgData name="Sonia Tara Hegde" userId="d93a2558-a889-4521-bcb4-6ed3fce9e012" providerId="ADAL" clId="{8F23145C-A13B-A342-8814-4A755A7320F9}" dt="2025-05-19T23:09:26.530" v="467"/>
+          <ac:spMkLst>
+            <pc:docMk/>
+            <pc:sldMk cId="0" sldId="294"/>
+            <ac:spMk id="23" creationId="{00000000-0000-0000-0000-000000000000}"/>
+          </ac:spMkLst>
+        </pc:spChg>
+      </pc:sldChg>
+      <pc:sldChg chg="modSp add del">
+        <pc:chgData name="Sonia Tara Hegde" userId="d93a2558-a889-4521-bcb4-6ed3fce9e012" providerId="ADAL" clId="{8F23145C-A13B-A342-8814-4A755A7320F9}" dt="2025-05-19T23:14:36.180" v="572" actId="2696"/>
+        <pc:sldMkLst>
+          <pc:docMk/>
+          <pc:sldMk cId="0" sldId="295"/>
+        </pc:sldMkLst>
+        <pc:spChg chg="mod">
+          <ac:chgData name="Sonia Tara Hegde" userId="d93a2558-a889-4521-bcb4-6ed3fce9e012" providerId="ADAL" clId="{8F23145C-A13B-A342-8814-4A755A7320F9}" dt="2025-05-19T23:09:26.530" v="467"/>
+          <ac:spMkLst>
+            <pc:docMk/>
+            <pc:sldMk cId="0" sldId="295"/>
+            <ac:spMk id="24" creationId="{00000000-0000-0000-0000-000000000000}"/>
+          </ac:spMkLst>
+        </pc:spChg>
+      </pc:sldChg>
+      <pc:sldChg chg="modSp add del">
+        <pc:chgData name="Sonia Tara Hegde" userId="d93a2558-a889-4521-bcb4-6ed3fce9e012" providerId="ADAL" clId="{8F23145C-A13B-A342-8814-4A755A7320F9}" dt="2025-05-19T23:14:36.132" v="568" actId="2696"/>
+        <pc:sldMkLst>
+          <pc:docMk/>
+          <pc:sldMk cId="0" sldId="296"/>
+        </pc:sldMkLst>
+        <pc:spChg chg="mod">
+          <ac:chgData name="Sonia Tara Hegde" userId="d93a2558-a889-4521-bcb4-6ed3fce9e012" providerId="ADAL" clId="{8F23145C-A13B-A342-8814-4A755A7320F9}" dt="2025-05-19T23:09:26.530" v="467"/>
+          <ac:spMkLst>
+            <pc:docMk/>
+            <pc:sldMk cId="0" sldId="296"/>
+            <ac:spMk id="44" creationId="{00000000-0000-0000-0000-000000000000}"/>
           </ac:spMkLst>
         </pc:spChg>
       </pc:sldChg>
@@ -247,7 +992,7 @@
           <a:p>
             <a:fld id="{EE2E33BD-E1BA-3C4D-B01A-FFAC454B8D70}" type="datetimeFigureOut">
               <a:rPr lang="en-US" smtClean="0"/>
-              <a:t>5/18/25</a:t>
+              <a:t>5/19/25</a:t>
             </a:fld>
             <a:endParaRPr lang="en-US"/>
           </a:p>
@@ -2807,22 +3552,54 @@
           <a:lstStyle/>
           <a:p>
             <a:r>
-              <a:t>R Script: runs code; R Markdown: runs and documents code.</a:t>
-            </a:r>
-          </a:p>
-          <a:p>
-            <a:r>
-              <a:t>R Script: code only; R Markdown: code + formatted text.</a:t>
-            </a:r>
-          </a:p>
-          <a:p>
-            <a:r>
-              <a:t>R Markdown supports knitting into readable documents with plots and tables.</a:t>
-            </a:r>
-          </a:p>
-          <a:p>
-            <a:r>
-              <a:t>R Scripts are best for development; R Markdown is best for communication.</a:t>
+              <a:rPr dirty="0"/>
+              <a:t>R Script runs code; </a:t>
+            </a:r>
+            <a:r>
+              <a:rPr b="1" dirty="0"/>
+              <a:t>R Markdown runs and documents code</a:t>
+            </a:r>
+            <a:r>
+              <a:rPr dirty="0"/>
+              <a:t>.</a:t>
+            </a:r>
+          </a:p>
+          <a:p>
+            <a:r>
+              <a:rPr dirty="0"/>
+              <a:t>R Script code only; </a:t>
+            </a:r>
+            <a:r>
+              <a:rPr b="1" dirty="0"/>
+              <a:t>R Markdown code + formatted text</a:t>
+            </a:r>
+            <a:r>
+              <a:rPr dirty="0"/>
+              <a:t>.</a:t>
+            </a:r>
+          </a:p>
+          <a:p>
+            <a:r>
+              <a:rPr b="1" dirty="0"/>
+              <a:t>R Markdown supports knitting into readable documents</a:t>
+            </a:r>
+            <a:r>
+              <a:rPr dirty="0"/>
+              <a:t> with plots and tables.</a:t>
+            </a:r>
+          </a:p>
+          <a:p>
+            <a:r>
+              <a:rPr dirty="0"/>
+              <a:t>R Scripts are best for development; </a:t>
+            </a:r>
+            <a:r>
+              <a:rPr b="1" dirty="0"/>
+              <a:t>R Markdown is best for communication</a:t>
+            </a:r>
+            <a:r>
+              <a:rPr dirty="0"/>
+              <a:t>.</a:t>
             </a:r>
           </a:p>
         </p:txBody>
@@ -3080,11 +3857,126 @@
           </a:extLst>
         </p:spPr>
       </p:pic>
+      <p:sp>
+        <p:nvSpPr>
+          <p:cNvPr id="5" name="TextBox 4">
+            <a:extLst>
+              <a:ext uri="{FF2B5EF4-FFF2-40B4-BE49-F238E27FC236}">
+                <a16:creationId xmlns:a16="http://schemas.microsoft.com/office/drawing/2014/main" id="{F9BD13D4-F595-F538-778A-0E4833B12DF1}"/>
+              </a:ext>
+            </a:extLst>
+          </p:cNvPr>
+          <p:cNvSpPr txBox="1"/>
+          <p:nvPr/>
+        </p:nvSpPr>
+        <p:spPr>
+          <a:xfrm>
+            <a:off x="6697197" y="1292079"/>
+            <a:ext cx="4914232" cy="4963577"/>
+          </a:xfrm>
+          <a:prstGeom prst="rect">
+            <a:avLst/>
+          </a:prstGeom>
+          <a:noFill/>
+          <a:ln w="53975">
+            <a:solidFill>
+              <a:srgbClr val="C00000"/>
+            </a:solidFill>
+          </a:ln>
+        </p:spPr>
+        <p:txBody>
+          <a:bodyPr wrap="square" rtlCol="0">
+            <a:spAutoFit/>
+          </a:bodyPr>
+          <a:lstStyle/>
+          <a:p>
+            <a:endParaRPr lang="en-US" dirty="0"/>
+          </a:p>
+        </p:txBody>
+      </p:sp>
     </p:spTree>
   </p:cSld>
   <p:clrMapOvr>
     <a:masterClrMapping/>
   </p:clrMapOvr>
+  <p:timing>
+    <p:tnLst>
+      <p:par>
+        <p:cTn id="1" dur="indefinite" restart="never" nodeType="tmRoot">
+          <p:childTnLst>
+            <p:seq concurrent="1" nextAc="seek">
+              <p:cTn id="2" dur="indefinite" nodeType="mainSeq">
+                <p:childTnLst>
+                  <p:par>
+                    <p:cTn id="3" fill="hold">
+                      <p:stCondLst>
+                        <p:cond delay="indefinite"/>
+                      </p:stCondLst>
+                      <p:childTnLst>
+                        <p:par>
+                          <p:cTn id="4" fill="hold">
+                            <p:stCondLst>
+                              <p:cond delay="0"/>
+                            </p:stCondLst>
+                            <p:childTnLst>
+                              <p:par>
+                                <p:cTn id="5" presetID="1" presetClass="entr" presetSubtype="0" fill="hold" grpId="0" nodeType="clickEffect">
+                                  <p:stCondLst>
+                                    <p:cond delay="0"/>
+                                  </p:stCondLst>
+                                  <p:childTnLst>
+                                    <p:set>
+                                      <p:cBhvr>
+                                        <p:cTn id="6" dur="1" fill="hold">
+                                          <p:stCondLst>
+                                            <p:cond delay="0"/>
+                                          </p:stCondLst>
+                                        </p:cTn>
+                                        <p:tgtEl>
+                                          <p:spTgt spid="5"/>
+                                        </p:tgtEl>
+                                        <p:attrNameLst>
+                                          <p:attrName>style.visibility</p:attrName>
+                                        </p:attrNameLst>
+                                      </p:cBhvr>
+                                      <p:to>
+                                        <p:strVal val="visible"/>
+                                      </p:to>
+                                    </p:set>
+                                  </p:childTnLst>
+                                </p:cTn>
+                              </p:par>
+                            </p:childTnLst>
+                          </p:cTn>
+                        </p:par>
+                      </p:childTnLst>
+                    </p:cTn>
+                  </p:par>
+                </p:childTnLst>
+              </p:cTn>
+              <p:prevCondLst>
+                <p:cond evt="onPrev" delay="0">
+                  <p:tgtEl>
+                    <p:sldTgt/>
+                  </p:tgtEl>
+                </p:cond>
+              </p:prevCondLst>
+              <p:nextCondLst>
+                <p:cond evt="onNext" delay="0">
+                  <p:tgtEl>
+                    <p:sldTgt/>
+                  </p:tgtEl>
+                </p:cond>
+              </p:nextCondLst>
+            </p:seq>
+          </p:childTnLst>
+        </p:cTn>
+      </p:par>
+    </p:tnLst>
+    <p:bldLst>
+      <p:bldP spid="5" grpId="0" animBg="1"/>
+    </p:bldLst>
+  </p:timing>
 </p:sld>
 </file>
 
@@ -3120,10 +4012,6 @@
           <a:bodyPr/>
           <a:lstStyle/>
           <a:p>
-            <a:r>
-              <a:rPr lang="en-US" dirty="0"/>
-              <a:t>"</a:t>
-            </a:r>
             <a:r>
               <a:rPr dirty="0"/>
               <a:t>Wide vs. Long Data Frames in R</a:t>
@@ -4197,7 +5085,7 @@
           <p:nvPr>
             <p:extLst>
               <p:ext uri="{D42A27DB-BD31-4B8C-83A1-F6EECF244321}">
-                <p14:modId xmlns:p14="http://schemas.microsoft.com/office/powerpoint/2010/main" val="2356413064"/>
+                <p14:modId xmlns:p14="http://schemas.microsoft.com/office/powerpoint/2010/main" val="725980192"/>
               </p:ext>
             </p:extLst>
           </p:nvPr>
@@ -4209,7 +5097,9 @@
         <a:graphic>
           <a:graphicData uri="http://schemas.openxmlformats.org/drawingml/2006/table">
             <a:tbl>
-              <a:tblPr/>
+              <a:tblPr>
+                <a:tableStyleId>{327F97BB-C833-4FB7-BDE5-3F7075034690}</a:tableStyleId>
+              </a:tblPr>
               <a:tblGrid>
                 <a:gridCol w="2288703">
                   <a:extLst>
@@ -4229,12 +5119,11 @@
                         <a:buNone/>
                       </a:pPr>
                       <a:r>
-                        <a:rPr lang="en-US" sz="1400" b="0" i="0" u="none" strike="noStrike">
+                        <a:rPr lang="en-US" sz="1400" b="0" u="none" strike="noStrike">
                           <a:solidFill>
                             <a:srgbClr val="FFFFFF"/>
                           </a:solidFill>
                           <a:effectLst/>
-                          <a:latin typeface="Arial" panose="020B0604020202020204" pitchFamily="34" charset="0"/>
                         </a:rPr>
                         <a:t>Control meta-data</a:t>
                       </a:r>
@@ -4244,45 +5133,15 @@
                     </a:p>
                   </a:txBody>
                   <a:tcPr marL="88900" marR="88900" marT="50800" marB="50800" anchor="ctr">
-                    <a:lnL w="4763" cap="flat" cmpd="sng" algn="ctr">
-                      <a:solidFill>
-                        <a:srgbClr val="F19D19"/>
-                      </a:solidFill>
-                      <a:prstDash val="solid"/>
-                      <a:round/>
-                      <a:headEnd type="none" w="med" len="med"/>
-                      <a:tailEnd type="none" w="med" len="med"/>
-                    </a:lnL>
-                    <a:lnR w="4763" cap="flat" cmpd="sng" algn="ctr">
-                      <a:solidFill>
-                        <a:srgbClr val="F19D19"/>
-                      </a:solidFill>
-                      <a:prstDash val="solid"/>
-                      <a:round/>
-                      <a:headEnd type="none" w="med" len="med"/>
-                      <a:tailEnd type="none" w="med" len="med"/>
-                    </a:lnR>
-                    <a:lnT w="4763" cap="flat" cmpd="sng" algn="ctr">
-                      <a:solidFill>
-                        <a:srgbClr val="F19D19"/>
-                      </a:solidFill>
-                      <a:prstDash val="solid"/>
-                      <a:round/>
-                      <a:headEnd type="none" w="med" len="med"/>
-                      <a:tailEnd type="none" w="med" len="med"/>
-                    </a:lnT>
-                    <a:lnB w="4763" cap="flat" cmpd="sng" algn="ctr">
-                      <a:solidFill>
-                        <a:srgbClr val="F19D19"/>
+                    <a:lnB w="3175" cap="flat" cmpd="sng" algn="ctr">
+                      <a:solidFill>
+                        <a:schemeClr val="accent5"/>
                       </a:solidFill>
                       <a:prstDash val="solid"/>
                       <a:round/>
                       <a:headEnd type="none" w="med" len="med"/>
                       <a:tailEnd type="none" w="med" len="med"/>
                     </a:lnB>
-                    <a:solidFill>
-                      <a:srgbClr val="F19D19"/>
-                    </a:solidFill>
                   </a:tcPr>
                 </a:tc>
                 <a:extLst>
@@ -4301,12 +5160,11 @@
                         <a:buNone/>
                       </a:pPr>
                       <a:r>
-                        <a:rPr lang="en-US" sz="1400" b="1" i="0" u="none" strike="noStrike">
+                        <a:rPr lang="en-US" sz="1400" b="1" u="none" strike="noStrike">
                           <a:solidFill>
                             <a:srgbClr val="000000"/>
                           </a:solidFill>
                           <a:effectLst/>
-                          <a:latin typeface="Arial" panose="020B0604020202020204" pitchFamily="34" charset="0"/>
                         </a:rPr>
                         <a:t>Unique control ID</a:t>
                       </a:r>
@@ -4316,43 +5174,53 @@
                     </a:p>
                   </a:txBody>
                   <a:tcPr marL="88900" marR="88900" marT="50800" marB="50800" anchor="ctr">
-                    <a:lnL w="4763" cap="flat" cmpd="sng" algn="ctr">
-                      <a:solidFill>
-                        <a:srgbClr val="F19D19"/>
+                    <a:lnL w="3175" cap="flat" cmpd="sng" algn="ctr">
+                      <a:solidFill>
+                        <a:schemeClr val="accent5"/>
                       </a:solidFill>
                       <a:prstDash val="solid"/>
                       <a:round/>
                       <a:headEnd type="none" w="med" len="med"/>
                       <a:tailEnd type="none" w="med" len="med"/>
                     </a:lnL>
-                    <a:lnR w="4763" cap="flat" cmpd="sng" algn="ctr">
-                      <a:solidFill>
-                        <a:srgbClr val="F19D19"/>
+                    <a:lnR w="3175" cap="flat" cmpd="sng" algn="ctr">
+                      <a:solidFill>
+                        <a:schemeClr val="accent5"/>
                       </a:solidFill>
                       <a:prstDash val="solid"/>
                       <a:round/>
                       <a:headEnd type="none" w="med" len="med"/>
                       <a:tailEnd type="none" w="med" len="med"/>
                     </a:lnR>
-                    <a:lnT w="4763" cap="flat" cmpd="sng" algn="ctr">
-                      <a:solidFill>
-                        <a:srgbClr val="F19D19"/>
+                    <a:lnT w="3175" cap="flat" cmpd="sng" algn="ctr">
+                      <a:solidFill>
+                        <a:schemeClr val="accent5"/>
                       </a:solidFill>
                       <a:prstDash val="solid"/>
                       <a:round/>
                       <a:headEnd type="none" w="med" len="med"/>
                       <a:tailEnd type="none" w="med" len="med"/>
                     </a:lnT>
-                    <a:lnB w="4763" cap="flat" cmpd="sng" algn="ctr">
-                      <a:solidFill>
-                        <a:srgbClr val="F19D19"/>
+                    <a:lnB w="3175" cap="flat" cmpd="sng" algn="ctr">
+                      <a:solidFill>
+                        <a:schemeClr val="accent5"/>
                       </a:solidFill>
                       <a:prstDash val="solid"/>
                       <a:round/>
                       <a:headEnd type="none" w="med" len="med"/>
                       <a:tailEnd type="none" w="med" len="med"/>
                     </a:lnB>
-                    <a:noFill/>
+                    <a:lnTlToBr w="12700" cmpd="sng">
+                      <a:noFill/>
+                      <a:prstDash val="solid"/>
+                    </a:lnTlToBr>
+                    <a:lnBlToTr w="12700" cmpd="sng">
+                      <a:noFill/>
+                      <a:prstDash val="solid"/>
+                    </a:lnBlToTr>
+                    <a:solidFill>
+                      <a:schemeClr val="bg1"/>
+                    </a:solidFill>
                   </a:tcPr>
                 </a:tc>
                 <a:extLst>
@@ -4371,12 +5239,11 @@
                         <a:buNone/>
                       </a:pPr>
                       <a:r>
-                        <a:rPr lang="en-US" sz="1400" b="0" i="0" u="none" strike="noStrike">
+                        <a:rPr lang="en-US" sz="1400" b="0" u="none" strike="noStrike">
                           <a:solidFill>
                             <a:srgbClr val="000000"/>
                           </a:solidFill>
                           <a:effectLst/>
-                          <a:latin typeface="Arial" panose="020B0604020202020204" pitchFamily="34" charset="0"/>
                         </a:rPr>
                         <a:t>Whether it’s a positive vs. negative control, and for which antigen(s) (e.g., “US non-traveler who’s never had Pf malaria”)</a:t>
                       </a:r>
@@ -4386,43 +5253,53 @@
                     </a:p>
                   </a:txBody>
                   <a:tcPr marL="88900" marR="88900" marT="50800" marB="50800" anchor="ctr">
-                    <a:lnL w="4763" cap="flat" cmpd="sng" algn="ctr">
-                      <a:solidFill>
-                        <a:srgbClr val="F19D19"/>
+                    <a:lnL w="3175" cap="flat" cmpd="sng" algn="ctr">
+                      <a:solidFill>
+                        <a:schemeClr val="accent5"/>
                       </a:solidFill>
                       <a:prstDash val="solid"/>
                       <a:round/>
                       <a:headEnd type="none" w="med" len="med"/>
                       <a:tailEnd type="none" w="med" len="med"/>
                     </a:lnL>
-                    <a:lnR w="4763" cap="flat" cmpd="sng" algn="ctr">
-                      <a:solidFill>
-                        <a:srgbClr val="F19D19"/>
+                    <a:lnR w="3175" cap="flat" cmpd="sng" algn="ctr">
+                      <a:solidFill>
+                        <a:schemeClr val="accent5"/>
                       </a:solidFill>
                       <a:prstDash val="solid"/>
                       <a:round/>
                       <a:headEnd type="none" w="med" len="med"/>
                       <a:tailEnd type="none" w="med" len="med"/>
                     </a:lnR>
-                    <a:lnT w="4763" cap="flat" cmpd="sng" algn="ctr">
-                      <a:solidFill>
-                        <a:srgbClr val="F19D19"/>
+                    <a:lnT w="3175" cap="flat" cmpd="sng" algn="ctr">
+                      <a:solidFill>
+                        <a:schemeClr val="accent5"/>
                       </a:solidFill>
                       <a:prstDash val="solid"/>
                       <a:round/>
                       <a:headEnd type="none" w="med" len="med"/>
                       <a:tailEnd type="none" w="med" len="med"/>
                     </a:lnT>
-                    <a:lnB w="4763" cap="flat" cmpd="sng" algn="ctr">
-                      <a:solidFill>
-                        <a:srgbClr val="F19D19"/>
+                    <a:lnB w="3175" cap="flat" cmpd="sng" algn="ctr">
+                      <a:solidFill>
+                        <a:schemeClr val="accent5"/>
                       </a:solidFill>
                       <a:prstDash val="solid"/>
                       <a:round/>
                       <a:headEnd type="none" w="med" len="med"/>
                       <a:tailEnd type="none" w="med" len="med"/>
                     </a:lnB>
-                    <a:noFill/>
+                    <a:lnTlToBr w="12700" cmpd="sng">
+                      <a:noFill/>
+                      <a:prstDash val="solid"/>
+                    </a:lnTlToBr>
+                    <a:lnBlToTr w="12700" cmpd="sng">
+                      <a:noFill/>
+                      <a:prstDash val="solid"/>
+                    </a:lnBlToTr>
+                    <a:solidFill>
+                      <a:schemeClr val="bg1"/>
+                    </a:solidFill>
                   </a:tcPr>
                 </a:tc>
                 <a:extLst>
@@ -4441,12 +5318,11 @@
                         <a:buNone/>
                       </a:pPr>
                       <a:r>
-                        <a:rPr lang="en-US" sz="1400" b="0" i="0" u="none" strike="noStrike">
+                        <a:rPr lang="en-US" sz="1400" b="0" u="none" strike="noStrike">
                           <a:solidFill>
                             <a:srgbClr val="000000"/>
                           </a:solidFill>
                           <a:effectLst/>
-                          <a:latin typeface="Arial" panose="020B0604020202020204" pitchFamily="34" charset="0"/>
                         </a:rPr>
                         <a:t>Dilution, if part of a standard curve (e.g., “Positive Pool 1:50”)</a:t>
                       </a:r>
@@ -4456,43 +5332,53 @@
                     </a:p>
                   </a:txBody>
                   <a:tcPr marL="88900" marR="88900" marT="50800" marB="50800" anchor="ctr">
-                    <a:lnL w="4763" cap="flat" cmpd="sng" algn="ctr">
-                      <a:solidFill>
-                        <a:srgbClr val="F19D19"/>
+                    <a:lnL w="3175" cap="flat" cmpd="sng" algn="ctr">
+                      <a:solidFill>
+                        <a:schemeClr val="accent5"/>
                       </a:solidFill>
                       <a:prstDash val="solid"/>
                       <a:round/>
                       <a:headEnd type="none" w="med" len="med"/>
                       <a:tailEnd type="none" w="med" len="med"/>
                     </a:lnL>
-                    <a:lnR w="4763" cap="flat" cmpd="sng" algn="ctr">
-                      <a:solidFill>
-                        <a:srgbClr val="F19D19"/>
+                    <a:lnR w="3175" cap="flat" cmpd="sng" algn="ctr">
+                      <a:solidFill>
+                        <a:schemeClr val="accent5"/>
                       </a:solidFill>
                       <a:prstDash val="solid"/>
                       <a:round/>
                       <a:headEnd type="none" w="med" len="med"/>
                       <a:tailEnd type="none" w="med" len="med"/>
                     </a:lnR>
-                    <a:lnT w="4763" cap="flat" cmpd="sng" algn="ctr">
-                      <a:solidFill>
-                        <a:srgbClr val="F19D19"/>
+                    <a:lnT w="3175" cap="flat" cmpd="sng" algn="ctr">
+                      <a:solidFill>
+                        <a:schemeClr val="accent5"/>
                       </a:solidFill>
                       <a:prstDash val="solid"/>
                       <a:round/>
                       <a:headEnd type="none" w="med" len="med"/>
                       <a:tailEnd type="none" w="med" len="med"/>
                     </a:lnT>
-                    <a:lnB w="4763" cap="flat" cmpd="sng" algn="ctr">
-                      <a:solidFill>
-                        <a:srgbClr val="F19D19"/>
+                    <a:lnB w="3175" cap="flat" cmpd="sng" algn="ctr">
+                      <a:solidFill>
+                        <a:schemeClr val="accent5"/>
                       </a:solidFill>
                       <a:prstDash val="solid"/>
                       <a:round/>
                       <a:headEnd type="none" w="med" len="med"/>
                       <a:tailEnd type="none" w="med" len="med"/>
                     </a:lnB>
-                    <a:noFill/>
+                    <a:lnTlToBr w="12700" cmpd="sng">
+                      <a:noFill/>
+                      <a:prstDash val="solid"/>
+                    </a:lnTlToBr>
+                    <a:lnBlToTr w="12700" cmpd="sng">
+                      <a:noFill/>
+                      <a:prstDash val="solid"/>
+                    </a:lnBlToTr>
+                    <a:solidFill>
+                      <a:schemeClr val="bg1"/>
+                    </a:solidFill>
                   </a:tcPr>
                 </a:tc>
                 <a:extLst>
@@ -4511,12 +5397,11 @@
                         <a:buNone/>
                       </a:pPr>
                       <a:r>
-                        <a:rPr lang="en-US" sz="1400" b="0" i="0" u="none" strike="noStrike" dirty="0">
+                        <a:rPr lang="en-US" sz="1400" b="0" u="none" strike="noStrike" dirty="0">
                           <a:solidFill>
                             <a:srgbClr val="000000"/>
                           </a:solidFill>
                           <a:effectLst/>
-                          <a:latin typeface="Arial" panose="020B0604020202020204" pitchFamily="34" charset="0"/>
                         </a:rPr>
                         <a:t>Short description of what the control is (e.g., “NIBSC XX international standard”)</a:t>
                       </a:r>
@@ -4526,43 +5411,53 @@
                     </a:p>
                   </a:txBody>
                   <a:tcPr marL="88900" marR="88900" marT="50800" marB="50800" anchor="ctr">
-                    <a:lnL w="4763" cap="flat" cmpd="sng" algn="ctr">
-                      <a:solidFill>
-                        <a:srgbClr val="F19D19"/>
+                    <a:lnL w="3175" cap="flat" cmpd="sng" algn="ctr">
+                      <a:solidFill>
+                        <a:schemeClr val="accent5"/>
                       </a:solidFill>
                       <a:prstDash val="solid"/>
                       <a:round/>
                       <a:headEnd type="none" w="med" len="med"/>
                       <a:tailEnd type="none" w="med" len="med"/>
                     </a:lnL>
-                    <a:lnR w="4763" cap="flat" cmpd="sng" algn="ctr">
-                      <a:solidFill>
-                        <a:srgbClr val="F19D19"/>
+                    <a:lnR w="3175" cap="flat" cmpd="sng" algn="ctr">
+                      <a:solidFill>
+                        <a:schemeClr val="accent5"/>
                       </a:solidFill>
                       <a:prstDash val="solid"/>
                       <a:round/>
                       <a:headEnd type="none" w="med" len="med"/>
                       <a:tailEnd type="none" w="med" len="med"/>
                     </a:lnR>
-                    <a:lnT w="4763" cap="flat" cmpd="sng" algn="ctr">
-                      <a:solidFill>
-                        <a:srgbClr val="F19D19"/>
+                    <a:lnT w="3175" cap="flat" cmpd="sng" algn="ctr">
+                      <a:solidFill>
+                        <a:schemeClr val="accent5"/>
                       </a:solidFill>
                       <a:prstDash val="solid"/>
                       <a:round/>
                       <a:headEnd type="none" w="med" len="med"/>
                       <a:tailEnd type="none" w="med" len="med"/>
                     </a:lnT>
-                    <a:lnB w="4763" cap="flat" cmpd="sng" algn="ctr">
-                      <a:solidFill>
-                        <a:srgbClr val="F19D19"/>
+                    <a:lnB w="3175" cap="flat" cmpd="sng" algn="ctr">
+                      <a:solidFill>
+                        <a:schemeClr val="accent5"/>
                       </a:solidFill>
                       <a:prstDash val="solid"/>
                       <a:round/>
                       <a:headEnd type="none" w="med" len="med"/>
                       <a:tailEnd type="none" w="med" len="med"/>
                     </a:lnB>
-                    <a:noFill/>
+                    <a:lnTlToBr w="12700" cmpd="sng">
+                      <a:noFill/>
+                      <a:prstDash val="solid"/>
+                    </a:lnTlToBr>
+                    <a:lnBlToTr w="12700" cmpd="sng">
+                      <a:noFill/>
+                      <a:prstDash val="solid"/>
+                    </a:lnBlToTr>
+                    <a:solidFill>
+                      <a:schemeClr val="bg1"/>
+                    </a:solidFill>
                   </a:tcPr>
                 </a:tc>
                 <a:extLst>
@@ -5390,10 +6285,345 @@
           </a:p>
         </p:txBody>
       </p:sp>
+      <p:cxnSp>
+        <p:nvCxnSpPr>
+          <p:cNvPr id="4" name="Straight Arrow Connector 3">
+            <a:extLst>
+              <a:ext uri="{FF2B5EF4-FFF2-40B4-BE49-F238E27FC236}">
+                <a16:creationId xmlns:a16="http://schemas.microsoft.com/office/drawing/2014/main" id="{B3AF5190-F114-D88F-816F-3816200867C6}"/>
+              </a:ext>
+            </a:extLst>
+          </p:cNvPr>
+          <p:cNvCxnSpPr/>
+          <p:nvPr/>
+        </p:nvCxnSpPr>
+        <p:spPr>
+          <a:xfrm flipH="1">
+            <a:off x="9927772" y="1814285"/>
+            <a:ext cx="566057" cy="0"/>
+          </a:xfrm>
+          <a:prstGeom prst="straightConnector1">
+            <a:avLst/>
+          </a:prstGeom>
+          <a:ln>
+            <a:solidFill>
+              <a:srgbClr val="1D9171"/>
+            </a:solidFill>
+            <a:tailEnd type="triangle"/>
+          </a:ln>
+        </p:spPr>
+        <p:style>
+          <a:lnRef idx="2">
+            <a:schemeClr val="accent1"/>
+          </a:lnRef>
+          <a:fillRef idx="0">
+            <a:schemeClr val="accent1"/>
+          </a:fillRef>
+          <a:effectRef idx="1">
+            <a:schemeClr val="accent1"/>
+          </a:effectRef>
+          <a:fontRef idx="minor">
+            <a:schemeClr val="tx1"/>
+          </a:fontRef>
+        </p:style>
+      </p:cxnSp>
+      <p:sp>
+        <p:nvSpPr>
+          <p:cNvPr id="5" name="TextBox 4">
+            <a:extLst>
+              <a:ext uri="{FF2B5EF4-FFF2-40B4-BE49-F238E27FC236}">
+                <a16:creationId xmlns:a16="http://schemas.microsoft.com/office/drawing/2014/main" id="{33E650D4-80FF-F20A-7724-B19EA1757E43}"/>
+              </a:ext>
+            </a:extLst>
+          </p:cNvPr>
+          <p:cNvSpPr txBox="1"/>
+          <p:nvPr/>
+        </p:nvSpPr>
+        <p:spPr>
+          <a:xfrm>
+            <a:off x="10456315" y="1806800"/>
+            <a:ext cx="1605059" cy="1754326"/>
+          </a:xfrm>
+          <a:prstGeom prst="rect">
+            <a:avLst/>
+          </a:prstGeom>
+          <a:solidFill>
+            <a:srgbClr val="1D9171"/>
+          </a:solidFill>
+        </p:spPr>
+        <p:txBody>
+          <a:bodyPr wrap="square" rtlCol="0">
+            <a:spAutoFit/>
+          </a:bodyPr>
+          <a:lstStyle/>
+          <a:p>
+            <a:r>
+              <a:rPr lang="en-US" dirty="0">
+                <a:solidFill>
+                  <a:schemeClr val="bg1"/>
+                </a:solidFill>
+              </a:rPr>
+              <a:t>Typically, a wide dataset with each antigen-specific MFI as a column</a:t>
+            </a:r>
+          </a:p>
+        </p:txBody>
+      </p:sp>
     </p:spTree>
     <p:extLst>
       <p:ext uri="{BB962C8B-B14F-4D97-AF65-F5344CB8AC3E}">
         <p14:creationId xmlns:p14="http://schemas.microsoft.com/office/powerpoint/2010/main" val="3291686408"/>
+      </p:ext>
+    </p:extLst>
+  </p:cSld>
+  <p:clrMapOvr>
+    <a:masterClrMapping/>
+  </p:clrMapOvr>
+  <p:timing>
+    <p:tnLst>
+      <p:par>
+        <p:cTn id="1" dur="indefinite" restart="never" nodeType="tmRoot">
+          <p:childTnLst>
+            <p:seq concurrent="1" nextAc="seek">
+              <p:cTn id="2" dur="indefinite" nodeType="mainSeq">
+                <p:childTnLst>
+                  <p:par>
+                    <p:cTn id="3" fill="hold">
+                      <p:stCondLst>
+                        <p:cond delay="indefinite"/>
+                      </p:stCondLst>
+                      <p:childTnLst>
+                        <p:par>
+                          <p:cTn id="4" fill="hold">
+                            <p:stCondLst>
+                              <p:cond delay="0"/>
+                            </p:stCondLst>
+                            <p:childTnLst>
+                              <p:par>
+                                <p:cTn id="5" presetID="1" presetClass="entr" presetSubtype="0" fill="hold" nodeType="clickEffect">
+                                  <p:stCondLst>
+                                    <p:cond delay="0"/>
+                                  </p:stCondLst>
+                                  <p:childTnLst>
+                                    <p:set>
+                                      <p:cBhvr>
+                                        <p:cTn id="6" dur="1" fill="hold">
+                                          <p:stCondLst>
+                                            <p:cond delay="0"/>
+                                          </p:stCondLst>
+                                        </p:cTn>
+                                        <p:tgtEl>
+                                          <p:spTgt spid="4"/>
+                                        </p:tgtEl>
+                                        <p:attrNameLst>
+                                          <p:attrName>style.visibility</p:attrName>
+                                        </p:attrNameLst>
+                                      </p:cBhvr>
+                                      <p:to>
+                                        <p:strVal val="visible"/>
+                                      </p:to>
+                                    </p:set>
+                                  </p:childTnLst>
+                                </p:cTn>
+                              </p:par>
+                              <p:par>
+                                <p:cTn id="7" presetID="1" presetClass="entr" presetSubtype="0" fill="hold" grpId="0" nodeType="withEffect">
+                                  <p:stCondLst>
+                                    <p:cond delay="0"/>
+                                  </p:stCondLst>
+                                  <p:childTnLst>
+                                    <p:set>
+                                      <p:cBhvr>
+                                        <p:cTn id="8" dur="1" fill="hold">
+                                          <p:stCondLst>
+                                            <p:cond delay="0"/>
+                                          </p:stCondLst>
+                                        </p:cTn>
+                                        <p:tgtEl>
+                                          <p:spTgt spid="5"/>
+                                        </p:tgtEl>
+                                        <p:attrNameLst>
+                                          <p:attrName>style.visibility</p:attrName>
+                                        </p:attrNameLst>
+                                      </p:cBhvr>
+                                      <p:to>
+                                        <p:strVal val="visible"/>
+                                      </p:to>
+                                    </p:set>
+                                  </p:childTnLst>
+                                </p:cTn>
+                              </p:par>
+                            </p:childTnLst>
+                          </p:cTn>
+                        </p:par>
+                      </p:childTnLst>
+                    </p:cTn>
+                  </p:par>
+                </p:childTnLst>
+              </p:cTn>
+              <p:prevCondLst>
+                <p:cond evt="onPrev" delay="0">
+                  <p:tgtEl>
+                    <p:sldTgt/>
+                  </p:tgtEl>
+                </p:cond>
+              </p:prevCondLst>
+              <p:nextCondLst>
+                <p:cond evt="onNext" delay="0">
+                  <p:tgtEl>
+                    <p:sldTgt/>
+                  </p:tgtEl>
+                </p:cond>
+              </p:nextCondLst>
+            </p:seq>
+          </p:childTnLst>
+        </p:cTn>
+      </p:par>
+    </p:tnLst>
+    <p:bldLst>
+      <p:bldP spid="5" grpId="0" animBg="1"/>
+    </p:bldLst>
+  </p:timing>
+</p:sld>
+</file>
+
+<file path=ppt/slides/slide15.xml><?xml version="1.0" encoding="utf-8"?>
+<p:sld xmlns:a="http://schemas.openxmlformats.org/drawingml/2006/main" xmlns:r="http://schemas.openxmlformats.org/officeDocument/2006/relationships" xmlns:p="http://schemas.openxmlformats.org/presentationml/2006/main">
+  <p:cSld>
+    <p:spTree>
+      <p:nvGrpSpPr>
+        <p:cNvPr id="1" name=""/>
+        <p:cNvGrpSpPr/>
+        <p:nvPr/>
+      </p:nvGrpSpPr>
+      <p:grpSpPr>
+        <a:xfrm>
+          <a:off x="0" y="0"/>
+          <a:ext cx="0" cy="0"/>
+          <a:chOff x="0" y="0"/>
+          <a:chExt cx="0" cy="0"/>
+        </a:xfrm>
+      </p:grpSpPr>
+      <p:sp>
+        <p:nvSpPr>
+          <p:cNvPr id="2" name="Title 1">
+            <a:extLst>
+              <a:ext uri="{FF2B5EF4-FFF2-40B4-BE49-F238E27FC236}">
+                <a16:creationId xmlns:a16="http://schemas.microsoft.com/office/drawing/2014/main" id="{C734AC06-1E42-8C43-D13A-C20ADF533B8C}"/>
+              </a:ext>
+            </a:extLst>
+          </p:cNvPr>
+          <p:cNvSpPr>
+            <a:spLocks noGrp="1"/>
+          </p:cNvSpPr>
+          <p:nvPr>
+            <p:ph type="title"/>
+          </p:nvPr>
+        </p:nvSpPr>
+        <p:spPr/>
+        <p:txBody>
+          <a:bodyPr>
+            <a:normAutofit/>
+          </a:bodyPr>
+          <a:lstStyle/>
+          <a:p>
+            <a:r>
+              <a:rPr lang="en-US" sz="3600" dirty="0"/>
+              <a:t>Follow along in the </a:t>
+            </a:r>
+            <a:r>
+              <a:rPr lang="en-US" sz="3600" i="1" dirty="0">
+                <a:solidFill>
+                  <a:srgbClr val="C00000"/>
+                </a:solidFill>
+              </a:rPr>
+              <a:t>Intro to </a:t>
+            </a:r>
+            <a:r>
+              <a:rPr lang="en-US" sz="3600" i="1" dirty="0" err="1">
+                <a:solidFill>
+                  <a:srgbClr val="C00000"/>
+                </a:solidFill>
+              </a:rPr>
+              <a:t>R.Rmd</a:t>
+            </a:r>
+            <a:r>
+              <a:rPr lang="en-US" sz="3600" i="1" dirty="0">
+                <a:solidFill>
+                  <a:srgbClr val="C00000"/>
+                </a:solidFill>
+              </a:rPr>
+              <a:t> </a:t>
+            </a:r>
+            <a:r>
+              <a:rPr lang="en-US" sz="3600" dirty="0"/>
+              <a:t>and </a:t>
+            </a:r>
+            <a:r>
+              <a:rPr lang="en-US" sz="3600" i="1" dirty="0">
+                <a:solidFill>
+                  <a:srgbClr val="C00000"/>
+                </a:solidFill>
+              </a:rPr>
+              <a:t>Intro to </a:t>
+            </a:r>
+            <a:r>
+              <a:rPr lang="en-US" sz="3600" i="1" dirty="0" err="1">
+                <a:solidFill>
+                  <a:srgbClr val="C00000"/>
+                </a:solidFill>
+              </a:rPr>
+              <a:t>R.pdf</a:t>
+            </a:r>
+            <a:r>
+              <a:rPr lang="en-US" sz="3600" i="1" dirty="0">
+                <a:solidFill>
+                  <a:srgbClr val="C00000"/>
+                </a:solidFill>
+              </a:rPr>
+              <a:t> files</a:t>
+            </a:r>
+          </a:p>
+        </p:txBody>
+      </p:sp>
+      <p:pic>
+        <p:nvPicPr>
+          <p:cNvPr id="4" name="Picture 3">
+            <a:extLst>
+              <a:ext uri="{FF2B5EF4-FFF2-40B4-BE49-F238E27FC236}">
+                <a16:creationId xmlns:a16="http://schemas.microsoft.com/office/drawing/2014/main" id="{92C31D8B-0D3F-F5A8-3A4D-DF92A430B246}"/>
+              </a:ext>
+            </a:extLst>
+          </p:cNvPr>
+          <p:cNvPicPr>
+            <a:picLocks noChangeAspect="1"/>
+          </p:cNvPicPr>
+          <p:nvPr/>
+        </p:nvPicPr>
+        <p:blipFill>
+          <a:blip r:embed="rId2"/>
+          <a:stretch>
+            <a:fillRect/>
+          </a:stretch>
+        </p:blipFill>
+        <p:spPr>
+          <a:xfrm>
+            <a:off x="3149600" y="1690688"/>
+            <a:ext cx="5892800" cy="4381500"/>
+          </a:xfrm>
+          <a:prstGeom prst="rect">
+            <a:avLst/>
+          </a:prstGeom>
+          <a:ln>
+            <a:solidFill>
+              <a:schemeClr val="tx1"/>
+            </a:solidFill>
+          </a:ln>
+        </p:spPr>
+      </p:pic>
+    </p:spTree>
+    <p:extLst>
+      <p:ext uri="{BB962C8B-B14F-4D97-AF65-F5344CB8AC3E}">
+        <p14:creationId xmlns:p14="http://schemas.microsoft.com/office/powerpoint/2010/main" val="173502923"/>
       </p:ext>
     </p:extLst>
   </p:cSld>
@@ -5443,7 +6673,7 @@
           <a:p>
             <a:r>
               <a:rPr lang="en-US" dirty="0"/>
-              <a:t>Outline</a:t>
+              <a:t>Lecture outline</a:t>
             </a:r>
           </a:p>
         </p:txBody>
@@ -5491,6 +6721,21 @@
               <a:rPr lang="en-US" dirty="0"/>
               <a:t>What are the different types of data frames used in serology?</a:t>
             </a:r>
+          </a:p>
+          <a:p>
+            <a:r>
+              <a:rPr lang="en-US" dirty="0"/>
+              <a:t>Review the </a:t>
+            </a:r>
+            <a:r>
+              <a:rPr lang="en-US" i="1" dirty="0"/>
+              <a:t>Intro to </a:t>
+            </a:r>
+            <a:r>
+              <a:rPr lang="en-US" i="1" dirty="0" err="1"/>
+              <a:t>R.Rmd</a:t>
+            </a:r>
+            <a:endParaRPr lang="en-US" i="1" dirty="0"/>
           </a:p>
           <a:p>
             <a:endParaRPr lang="en-US" dirty="0"/>

--- a/Lecture 1/Lecture 1.pptx
+++ b/Lecture 1/Lecture 1.pptx
@@ -147,14 +147,6 @@
 </p:presentation>
 </file>
 
-<file path=ppt/revisionInfo.xml><?xml version="1.0" encoding="utf-8"?>
-<p1510:revInfo xmlns:a="http://schemas.openxmlformats.org/drawingml/2006/main" xmlns:r="http://schemas.openxmlformats.org/officeDocument/2006/relationships" xmlns:p1510="http://schemas.microsoft.com/office/powerpoint/2015/10/main">
-  <p1510:revLst>
-    <p1510:client id="{B7D9077D-9D53-B74C-824A-292B0E6ECB96}" v="95" dt="2025-05-19T16:27:34.154"/>
-  </p1510:revLst>
-</p1510:revInfo>
-</file>
-
 <file path=ppt/changesInfos/changesInfo1.xml><?xml version="1.0" encoding="utf-8"?>
 <pc:chgInfo xmlns:a="http://schemas.openxmlformats.org/drawingml/2006/main" xmlns:r="http://schemas.openxmlformats.org/officeDocument/2006/relationships" xmlns:ac="http://schemas.microsoft.com/office/drawing/2013/main/command" xmlns:pc="http://schemas.microsoft.com/office/powerpoint/2013/main/command">
   <pc:docChgLst>
@@ -170,14 +162,6 @@
           <pc:docMk/>
           <pc:sldMk cId="3931425858" sldId="258"/>
         </pc:sldMkLst>
-        <pc:spChg chg="mod">
-          <ac:chgData name="Sonia Tara Hegde" userId="d93a2558-a889-4521-bcb4-6ed3fce9e012" providerId="ADAL" clId="{B7D9077D-9D53-B74C-824A-292B0E6ECB96}" dt="2025-05-19T15:26:43.287" v="9" actId="1036"/>
-          <ac:spMkLst>
-            <pc:docMk/>
-            <pc:sldMk cId="3931425858" sldId="258"/>
-            <ac:spMk id="3" creationId="{8521668F-07BD-566B-FB61-1BE78813E1A0}"/>
-          </ac:spMkLst>
-        </pc:spChg>
       </pc:sldChg>
       <pc:sldChg chg="modSp mod">
         <pc:chgData name="Sonia Tara Hegde" userId="d93a2558-a889-4521-bcb4-6ed3fce9e012" providerId="ADAL" clId="{B7D9077D-9D53-B74C-824A-292B0E6ECB96}" dt="2025-05-19T16:25:46.099" v="1554" actId="692"/>
@@ -185,14 +169,6 @@
           <pc:docMk/>
           <pc:sldMk cId="2184469665" sldId="260"/>
         </pc:sldMkLst>
-        <pc:spChg chg="mod">
-          <ac:chgData name="Sonia Tara Hegde" userId="d93a2558-a889-4521-bcb4-6ed3fce9e012" providerId="ADAL" clId="{B7D9077D-9D53-B74C-824A-292B0E6ECB96}" dt="2025-05-19T16:25:46.099" v="1554" actId="692"/>
-          <ac:spMkLst>
-            <pc:docMk/>
-            <pc:sldMk cId="2184469665" sldId="260"/>
-            <ac:spMk id="4" creationId="{209F4E2B-CB1F-1779-9135-6D8B47D45AEC}"/>
-          </ac:spMkLst>
-        </pc:spChg>
       </pc:sldChg>
       <pc:sldChg chg="modSp mod">
         <pc:chgData name="Sonia Tara Hegde" userId="d93a2558-a889-4521-bcb4-6ed3fce9e012" providerId="ADAL" clId="{B7D9077D-9D53-B74C-824A-292B0E6ECB96}" dt="2025-05-19T15:37:55.682" v="158" actId="255"/>
@@ -200,14 +176,6 @@
           <pc:docMk/>
           <pc:sldMk cId="2119195748" sldId="261"/>
         </pc:sldMkLst>
-        <pc:spChg chg="mod">
-          <ac:chgData name="Sonia Tara Hegde" userId="d93a2558-a889-4521-bcb4-6ed3fce9e012" providerId="ADAL" clId="{B7D9077D-9D53-B74C-824A-292B0E6ECB96}" dt="2025-05-19T15:37:55.682" v="158" actId="255"/>
-          <ac:spMkLst>
-            <pc:docMk/>
-            <pc:sldMk cId="2119195748" sldId="261"/>
-            <ac:spMk id="3" creationId="{56FBF99C-B1D7-A857-93BC-38C643885695}"/>
-          </ac:spMkLst>
-        </pc:spChg>
       </pc:sldChg>
       <pc:sldChg chg="modSp mod">
         <pc:chgData name="Sonia Tara Hegde" userId="d93a2558-a889-4521-bcb4-6ed3fce9e012" providerId="ADAL" clId="{B7D9077D-9D53-B74C-824A-292B0E6ECB96}" dt="2025-05-19T15:41:38.129" v="161" actId="255"/>
@@ -215,22 +183,6 @@
           <pc:docMk/>
           <pc:sldMk cId="4014776787" sldId="262"/>
         </pc:sldMkLst>
-        <pc:spChg chg="mod">
-          <ac:chgData name="Sonia Tara Hegde" userId="d93a2558-a889-4521-bcb4-6ed3fce9e012" providerId="ADAL" clId="{B7D9077D-9D53-B74C-824A-292B0E6ECB96}" dt="2025-05-19T15:41:38.129" v="161" actId="255"/>
-          <ac:spMkLst>
-            <pc:docMk/>
-            <pc:sldMk cId="4014776787" sldId="262"/>
-            <ac:spMk id="2" creationId="{2C948260-B9E6-FDF4-2AAC-07EEFDF028D7}"/>
-          </ac:spMkLst>
-        </pc:spChg>
-        <pc:spChg chg="mod">
-          <ac:chgData name="Sonia Tara Hegde" userId="d93a2558-a889-4521-bcb4-6ed3fce9e012" providerId="ADAL" clId="{B7D9077D-9D53-B74C-824A-292B0E6ECB96}" dt="2025-05-19T15:37:52.142" v="156" actId="255"/>
-          <ac:spMkLst>
-            <pc:docMk/>
-            <pc:sldMk cId="4014776787" sldId="262"/>
-            <ac:spMk id="5" creationId="{70AB1C1C-A003-BB46-C2B8-ECD7E3866C95}"/>
-          </ac:spMkLst>
-        </pc:spChg>
       </pc:sldChg>
       <pc:sldChg chg="modSp mod">
         <pc:chgData name="Sonia Tara Hegde" userId="d93a2558-a889-4521-bcb4-6ed3fce9e012" providerId="ADAL" clId="{B7D9077D-9D53-B74C-824A-292B0E6ECB96}" dt="2025-05-19T15:26:11.238" v="0" actId="20577"/>
@@ -238,14 +190,6 @@
           <pc:docMk/>
           <pc:sldMk cId="2795626251" sldId="263"/>
         </pc:sldMkLst>
-        <pc:spChg chg="mod">
-          <ac:chgData name="Sonia Tara Hegde" userId="d93a2558-a889-4521-bcb4-6ed3fce9e012" providerId="ADAL" clId="{B7D9077D-9D53-B74C-824A-292B0E6ECB96}" dt="2025-05-19T15:26:11.238" v="0" actId="20577"/>
-          <ac:spMkLst>
-            <pc:docMk/>
-            <pc:sldMk cId="2795626251" sldId="263"/>
-            <ac:spMk id="4" creationId="{746DD048-A0A0-4141-7FC9-9E02DE76DF70}"/>
-          </ac:spMkLst>
-        </pc:spChg>
       </pc:sldChg>
       <pc:sldChg chg="addSp delSp modSp add mod modAnim">
         <pc:chgData name="Sonia Tara Hegde" userId="d93a2558-a889-4521-bcb4-6ed3fce9e012" providerId="ADAL" clId="{B7D9077D-9D53-B74C-824A-292B0E6ECB96}" dt="2025-05-19T15:52:34.779" v="349"/>
@@ -253,126 +197,6 @@
           <pc:docMk/>
           <pc:sldMk cId="551754256" sldId="336"/>
         </pc:sldMkLst>
-        <pc:spChg chg="mod">
-          <ac:chgData name="Sonia Tara Hegde" userId="d93a2558-a889-4521-bcb4-6ed3fce9e012" providerId="ADAL" clId="{B7D9077D-9D53-B74C-824A-292B0E6ECB96}" dt="2025-05-19T15:39:47.119" v="159" actId="255"/>
-          <ac:spMkLst>
-            <pc:docMk/>
-            <pc:sldMk cId="551754256" sldId="336"/>
-            <ac:spMk id="2" creationId="{52272CA8-A769-B34C-B9EB-F66BF225583A}"/>
-          </ac:spMkLst>
-        </pc:spChg>
-        <pc:spChg chg="add mod">
-          <ac:chgData name="Sonia Tara Hegde" userId="d93a2558-a889-4521-bcb4-6ed3fce9e012" providerId="ADAL" clId="{B7D9077D-9D53-B74C-824A-292B0E6ECB96}" dt="2025-05-19T15:32:26.137" v="63" actId="207"/>
-          <ac:spMkLst>
-            <pc:docMk/>
-            <pc:sldMk cId="551754256" sldId="336"/>
-            <ac:spMk id="3" creationId="{7098ED4D-3C60-54CF-3F07-F03CE442A5CE}"/>
-          </ac:spMkLst>
-        </pc:spChg>
-        <pc:spChg chg="del">
-          <ac:chgData name="Sonia Tara Hegde" userId="d93a2558-a889-4521-bcb4-6ed3fce9e012" providerId="ADAL" clId="{B7D9077D-9D53-B74C-824A-292B0E6ECB96}" dt="2025-05-19T15:33:31.348" v="127" actId="478"/>
-          <ac:spMkLst>
-            <pc:docMk/>
-            <pc:sldMk cId="551754256" sldId="336"/>
-            <ac:spMk id="5" creationId="{A7CE4B68-B376-DA40-1CBD-652486A7F0DA}"/>
-          </ac:spMkLst>
-        </pc:spChg>
-        <pc:spChg chg="add mod">
-          <ac:chgData name="Sonia Tara Hegde" userId="d93a2558-a889-4521-bcb4-6ed3fce9e012" providerId="ADAL" clId="{B7D9077D-9D53-B74C-824A-292B0E6ECB96}" dt="2025-05-19T15:32:38.349" v="79" actId="20577"/>
-          <ac:spMkLst>
-            <pc:docMk/>
-            <pc:sldMk cId="551754256" sldId="336"/>
-            <ac:spMk id="6" creationId="{843DB92D-69B9-0B52-016B-5BE5D97C15FD}"/>
-          </ac:spMkLst>
-        </pc:spChg>
-        <pc:spChg chg="add mod">
-          <ac:chgData name="Sonia Tara Hegde" userId="d93a2558-a889-4521-bcb4-6ed3fce9e012" providerId="ADAL" clId="{B7D9077D-9D53-B74C-824A-292B0E6ECB96}" dt="2025-05-19T15:32:56.721" v="93" actId="1038"/>
-          <ac:spMkLst>
-            <pc:docMk/>
-            <pc:sldMk cId="551754256" sldId="336"/>
-            <ac:spMk id="7" creationId="{447C0F12-507B-C36D-86CE-240C67F91A45}"/>
-          </ac:spMkLst>
-        </pc:spChg>
-        <pc:spChg chg="add mod">
-          <ac:chgData name="Sonia Tara Hegde" userId="d93a2558-a889-4521-bcb4-6ed3fce9e012" providerId="ADAL" clId="{B7D9077D-9D53-B74C-824A-292B0E6ECB96}" dt="2025-05-19T15:33:11.978" v="120" actId="20577"/>
-          <ac:spMkLst>
-            <pc:docMk/>
-            <pc:sldMk cId="551754256" sldId="336"/>
-            <ac:spMk id="8" creationId="{1F390E9E-FBD5-1F9C-C474-943D6CB8D414}"/>
-          </ac:spMkLst>
-        </pc:spChg>
-        <pc:spChg chg="add mod">
-          <ac:chgData name="Sonia Tara Hegde" userId="d93a2558-a889-4521-bcb4-6ed3fce9e012" providerId="ADAL" clId="{B7D9077D-9D53-B74C-824A-292B0E6ECB96}" dt="2025-05-19T15:34:16.054" v="131" actId="14100"/>
-          <ac:spMkLst>
-            <pc:docMk/>
-            <pc:sldMk cId="551754256" sldId="336"/>
-            <ac:spMk id="9" creationId="{2866B510-44B6-1F7A-3B73-CF092DFCC916}"/>
-          </ac:spMkLst>
-        </pc:spChg>
-        <pc:spChg chg="del">
-          <ac:chgData name="Sonia Tara Hegde" userId="d93a2558-a889-4521-bcb4-6ed3fce9e012" providerId="ADAL" clId="{B7D9077D-9D53-B74C-824A-292B0E6ECB96}" dt="2025-05-19T15:33:22.878" v="122" actId="478"/>
-          <ac:spMkLst>
-            <pc:docMk/>
-            <pc:sldMk cId="551754256" sldId="336"/>
-            <ac:spMk id="10" creationId="{9ADBC004-E0C6-E573-F97D-087FCF56A4CC}"/>
-          </ac:spMkLst>
-        </pc:spChg>
-        <pc:spChg chg="add mod">
-          <ac:chgData name="Sonia Tara Hegde" userId="d93a2558-a889-4521-bcb4-6ed3fce9e012" providerId="ADAL" clId="{B7D9077D-9D53-B74C-824A-292B0E6ECB96}" dt="2025-05-19T15:34:21.980" v="133" actId="1076"/>
-          <ac:spMkLst>
-            <pc:docMk/>
-            <pc:sldMk cId="551754256" sldId="336"/>
-            <ac:spMk id="11" creationId="{ACC9CE89-D9AD-5A28-A932-4D4D99D72C65}"/>
-          </ac:spMkLst>
-        </pc:spChg>
-        <pc:spChg chg="add mod">
-          <ac:chgData name="Sonia Tara Hegde" userId="d93a2558-a889-4521-bcb4-6ed3fce9e012" providerId="ADAL" clId="{B7D9077D-9D53-B74C-824A-292B0E6ECB96}" dt="2025-05-19T15:34:26.412" v="135" actId="1076"/>
-          <ac:spMkLst>
-            <pc:docMk/>
-            <pc:sldMk cId="551754256" sldId="336"/>
-            <ac:spMk id="12" creationId="{072D1E13-2317-AAE3-BBA0-D07686D02963}"/>
-          </ac:spMkLst>
-        </pc:spChg>
-        <pc:spChg chg="del">
-          <ac:chgData name="Sonia Tara Hegde" userId="d93a2558-a889-4521-bcb4-6ed3fce9e012" providerId="ADAL" clId="{B7D9077D-9D53-B74C-824A-292B0E6ECB96}" dt="2025-05-19T15:33:31.348" v="127" actId="478"/>
-          <ac:spMkLst>
-            <pc:docMk/>
-            <pc:sldMk cId="551754256" sldId="336"/>
-            <ac:spMk id="15" creationId="{B6EB8E99-300E-D37F-6A0C-649C984C633A}"/>
-          </ac:spMkLst>
-        </pc:spChg>
-        <pc:grpChg chg="del">
-          <ac:chgData name="Sonia Tara Hegde" userId="d93a2558-a889-4521-bcb4-6ed3fce9e012" providerId="ADAL" clId="{B7D9077D-9D53-B74C-824A-292B0E6ECB96}" dt="2025-05-19T15:33:21.561" v="121" actId="478"/>
-          <ac:grpSpMkLst>
-            <pc:docMk/>
-            <pc:sldMk cId="551754256" sldId="336"/>
-            <ac:grpSpMk id="16" creationId="{75C91BAE-2DF4-1AD5-E2E3-ECF9039E9F58}"/>
-          </ac:grpSpMkLst>
-        </pc:grpChg>
-        <pc:picChg chg="add del">
-          <ac:chgData name="Sonia Tara Hegde" userId="d93a2558-a889-4521-bcb4-6ed3fce9e012" providerId="ADAL" clId="{B7D9077D-9D53-B74C-824A-292B0E6ECB96}" dt="2025-05-19T15:33:27.147" v="125" actId="478"/>
-          <ac:picMkLst>
-            <pc:docMk/>
-            <pc:sldMk cId="551754256" sldId="336"/>
-            <ac:picMk id="4" creationId="{0664BE09-2F97-9924-E484-460EF26B85F3}"/>
-          </ac:picMkLst>
-        </pc:picChg>
-        <pc:picChg chg="del">
-          <ac:chgData name="Sonia Tara Hegde" userId="d93a2558-a889-4521-bcb4-6ed3fce9e012" providerId="ADAL" clId="{B7D9077D-9D53-B74C-824A-292B0E6ECB96}" dt="2025-05-19T15:33:29.069" v="126" actId="478"/>
-          <ac:picMkLst>
-            <pc:docMk/>
-            <pc:sldMk cId="551754256" sldId="336"/>
-            <ac:picMk id="3074" creationId="{F3CDB7A9-4F66-0460-D6E8-E2920281EA55}"/>
-          </ac:picMkLst>
-        </pc:picChg>
-        <pc:picChg chg="del">
-          <ac:chgData name="Sonia Tara Hegde" userId="d93a2558-a889-4521-bcb4-6ed3fce9e012" providerId="ADAL" clId="{B7D9077D-9D53-B74C-824A-292B0E6ECB96}" dt="2025-05-19T15:33:24.512" v="123" actId="478"/>
-          <ac:picMkLst>
-            <pc:docMk/>
-            <pc:sldMk cId="551754256" sldId="336"/>
-            <ac:picMk id="3076" creationId="{B99F3956-0340-4865-48B7-2D667AC62D30}"/>
-          </ac:picMkLst>
-        </pc:picChg>
       </pc:sldChg>
       <pc:sldChg chg="modSp mod">
         <pc:chgData name="Sonia Tara Hegde" userId="d93a2558-a889-4521-bcb4-6ed3fce9e012" providerId="ADAL" clId="{B7D9077D-9D53-B74C-824A-292B0E6ECB96}" dt="2025-05-19T15:46:21.687" v="229" actId="1038"/>
@@ -380,22 +204,6 @@
           <pc:docMk/>
           <pc:sldMk cId="2965051394" sldId="2011251943"/>
         </pc:sldMkLst>
-        <pc:spChg chg="mod">
-          <ac:chgData name="Sonia Tara Hegde" userId="d93a2558-a889-4521-bcb4-6ed3fce9e012" providerId="ADAL" clId="{B7D9077D-9D53-B74C-824A-292B0E6ECB96}" dt="2025-05-19T15:46:21.687" v="229" actId="1038"/>
-          <ac:spMkLst>
-            <pc:docMk/>
-            <pc:sldMk cId="2965051394" sldId="2011251943"/>
-            <ac:spMk id="2" creationId="{9C7350B9-6B8B-C586-E4CF-22CBE51A110F}"/>
-          </ac:spMkLst>
-        </pc:spChg>
-        <pc:spChg chg="mod">
-          <ac:chgData name="Sonia Tara Hegde" userId="d93a2558-a889-4521-bcb4-6ed3fce9e012" providerId="ADAL" clId="{B7D9077D-9D53-B74C-824A-292B0E6ECB96}" dt="2025-05-19T15:46:11.716" v="217" actId="20577"/>
-          <ac:spMkLst>
-            <pc:docMk/>
-            <pc:sldMk cId="2965051394" sldId="2011251943"/>
-            <ac:spMk id="3" creationId="{C3FA05EE-A3FE-C835-E28B-494217566681}"/>
-          </ac:spMkLst>
-        </pc:spChg>
       </pc:sldChg>
       <pc:sldChg chg="modSp mod">
         <pc:chgData name="Sonia Tara Hegde" userId="d93a2558-a889-4521-bcb4-6ed3fce9e012" providerId="ADAL" clId="{B7D9077D-9D53-B74C-824A-292B0E6ECB96}" dt="2025-05-19T15:46:43.743" v="237" actId="1035"/>
@@ -403,22 +211,6 @@
           <pc:docMk/>
           <pc:sldMk cId="2442236597" sldId="2011251946"/>
         </pc:sldMkLst>
-        <pc:spChg chg="mod">
-          <ac:chgData name="Sonia Tara Hegde" userId="d93a2558-a889-4521-bcb4-6ed3fce9e012" providerId="ADAL" clId="{B7D9077D-9D53-B74C-824A-292B0E6ECB96}" dt="2025-05-19T15:46:38.807" v="231" actId="1076"/>
-          <ac:spMkLst>
-            <pc:docMk/>
-            <pc:sldMk cId="2442236597" sldId="2011251946"/>
-            <ac:spMk id="2" creationId="{6ABF8632-27D8-3152-67A3-D1D013161F5D}"/>
-          </ac:spMkLst>
-        </pc:spChg>
-        <pc:spChg chg="mod">
-          <ac:chgData name="Sonia Tara Hegde" userId="d93a2558-a889-4521-bcb4-6ed3fce9e012" providerId="ADAL" clId="{B7D9077D-9D53-B74C-824A-292B0E6ECB96}" dt="2025-05-19T15:46:43.743" v="237" actId="1035"/>
-          <ac:spMkLst>
-            <pc:docMk/>
-            <pc:sldMk cId="2442236597" sldId="2011251946"/>
-            <ac:spMk id="10" creationId="{0C16845E-A8CB-0FDC-3D04-08A4E5EA0671}"/>
-          </ac:spMkLst>
-        </pc:spChg>
       </pc:sldChg>
       <pc:sldChg chg="del">
         <pc:chgData name="Sonia Tara Hegde" userId="d93a2558-a889-4521-bcb4-6ed3fce9e012" providerId="ADAL" clId="{B7D9077D-9D53-B74C-824A-292B0E6ECB96}" dt="2025-05-19T15:47:08.452" v="239" actId="2696"/>
@@ -433,62 +225,6 @@
           <pc:docMk/>
           <pc:sldMk cId="2679516165" sldId="2011251950"/>
         </pc:sldMkLst>
-        <pc:spChg chg="mod">
-          <ac:chgData name="Sonia Tara Hegde" userId="d93a2558-a889-4521-bcb4-6ed3fce9e012" providerId="ADAL" clId="{B7D9077D-9D53-B74C-824A-292B0E6ECB96}" dt="2025-05-19T15:49:37.363" v="328" actId="20577"/>
-          <ac:spMkLst>
-            <pc:docMk/>
-            <pc:sldMk cId="2679516165" sldId="2011251950"/>
-            <ac:spMk id="2" creationId="{3C188029-3AD5-6CC7-7609-04AA90309477}"/>
-          </ac:spMkLst>
-        </pc:spChg>
-        <pc:spChg chg="mod">
-          <ac:chgData name="Sonia Tara Hegde" userId="d93a2558-a889-4521-bcb4-6ed3fce9e012" providerId="ADAL" clId="{B7D9077D-9D53-B74C-824A-292B0E6ECB96}" dt="2025-05-19T15:49:32.543" v="326" actId="20577"/>
-          <ac:spMkLst>
-            <pc:docMk/>
-            <pc:sldMk cId="2679516165" sldId="2011251950"/>
-            <ac:spMk id="3" creationId="{3EA7EE84-5255-17A0-F2CB-BC00E0D28B58}"/>
-          </ac:spMkLst>
-        </pc:spChg>
-        <pc:spChg chg="mod">
-          <ac:chgData name="Sonia Tara Hegde" userId="d93a2558-a889-4521-bcb4-6ed3fce9e012" providerId="ADAL" clId="{B7D9077D-9D53-B74C-824A-292B0E6ECB96}" dt="2025-05-19T15:50:09.683" v="345" actId="1076"/>
-          <ac:spMkLst>
-            <pc:docMk/>
-            <pc:sldMk cId="2679516165" sldId="2011251950"/>
-            <ac:spMk id="5" creationId="{9DDEE187-5EE9-671D-3E49-1100E3A02A8C}"/>
-          </ac:spMkLst>
-        </pc:spChg>
-        <pc:spChg chg="mod">
-          <ac:chgData name="Sonia Tara Hegde" userId="d93a2558-a889-4521-bcb4-6ed3fce9e012" providerId="ADAL" clId="{B7D9077D-9D53-B74C-824A-292B0E6ECB96}" dt="2025-05-19T15:49:53.602" v="344" actId="1038"/>
-          <ac:spMkLst>
-            <pc:docMk/>
-            <pc:sldMk cId="2679516165" sldId="2011251950"/>
-            <ac:spMk id="10" creationId="{188783AF-09EE-D5CF-3444-47702D979FBD}"/>
-          </ac:spMkLst>
-        </pc:spChg>
-        <pc:spChg chg="mod">
-          <ac:chgData name="Sonia Tara Hegde" userId="d93a2558-a889-4521-bcb4-6ed3fce9e012" providerId="ADAL" clId="{B7D9077D-9D53-B74C-824A-292B0E6ECB96}" dt="2025-05-19T15:49:53.602" v="344" actId="1038"/>
-          <ac:spMkLst>
-            <pc:docMk/>
-            <pc:sldMk cId="2679516165" sldId="2011251950"/>
-            <ac:spMk id="11" creationId="{BCC79975-20AC-2B4D-B1EA-2D63092CE79A}"/>
-          </ac:spMkLst>
-        </pc:spChg>
-        <pc:spChg chg="mod">
-          <ac:chgData name="Sonia Tara Hegde" userId="d93a2558-a889-4521-bcb4-6ed3fce9e012" providerId="ADAL" clId="{B7D9077D-9D53-B74C-824A-292B0E6ECB96}" dt="2025-05-19T15:49:53.602" v="344" actId="1038"/>
-          <ac:spMkLst>
-            <pc:docMk/>
-            <pc:sldMk cId="2679516165" sldId="2011251950"/>
-            <ac:spMk id="12" creationId="{CA6739BB-1DF9-5890-DAE4-6A4C0E78DD87}"/>
-          </ac:spMkLst>
-        </pc:spChg>
-        <pc:picChg chg="mod">
-          <ac:chgData name="Sonia Tara Hegde" userId="d93a2558-a889-4521-bcb4-6ed3fce9e012" providerId="ADAL" clId="{B7D9077D-9D53-B74C-824A-292B0E6ECB96}" dt="2025-05-19T15:49:53.602" v="344" actId="1038"/>
-          <ac:picMkLst>
-            <pc:docMk/>
-            <pc:sldMk cId="2679516165" sldId="2011251950"/>
-            <ac:picMk id="9" creationId="{6BFC8EB1-1E95-549E-0D74-7C7C9A95A0EF}"/>
-          </ac:picMkLst>
-        </pc:picChg>
       </pc:sldChg>
       <pc:sldChg chg="modSp mod">
         <pc:chgData name="Sonia Tara Hegde" userId="d93a2558-a889-4521-bcb4-6ed3fce9e012" providerId="ADAL" clId="{B7D9077D-9D53-B74C-824A-292B0E6ECB96}" dt="2025-05-19T15:41:47.846" v="163" actId="113"/>
@@ -496,14 +232,6 @@
           <pc:docMk/>
           <pc:sldMk cId="356574022" sldId="2011251953"/>
         </pc:sldMkLst>
-        <pc:spChg chg="mod">
-          <ac:chgData name="Sonia Tara Hegde" userId="d93a2558-a889-4521-bcb4-6ed3fce9e012" providerId="ADAL" clId="{B7D9077D-9D53-B74C-824A-292B0E6ECB96}" dt="2025-05-19T15:41:47.846" v="163" actId="113"/>
-          <ac:spMkLst>
-            <pc:docMk/>
-            <pc:sldMk cId="356574022" sldId="2011251953"/>
-            <ac:spMk id="2" creationId="{0D8CD265-2DB1-896A-401F-A1D8B3228320}"/>
-          </ac:spMkLst>
-        </pc:spChg>
       </pc:sldChg>
       <pc:sldChg chg="modSp mod">
         <pc:chgData name="Sonia Tara Hegde" userId="d93a2558-a889-4521-bcb4-6ed3fce9e012" providerId="ADAL" clId="{B7D9077D-9D53-B74C-824A-292B0E6ECB96}" dt="2025-05-19T15:42:01.939" v="165" actId="255"/>
@@ -511,14 +239,6 @@
           <pc:docMk/>
           <pc:sldMk cId="2679581500" sldId="2011251954"/>
         </pc:sldMkLst>
-        <pc:spChg chg="mod">
-          <ac:chgData name="Sonia Tara Hegde" userId="d93a2558-a889-4521-bcb4-6ed3fce9e012" providerId="ADAL" clId="{B7D9077D-9D53-B74C-824A-292B0E6ECB96}" dt="2025-05-19T15:42:01.939" v="165" actId="255"/>
-          <ac:spMkLst>
-            <pc:docMk/>
-            <pc:sldMk cId="2679581500" sldId="2011251954"/>
-            <ac:spMk id="2" creationId="{41C974F5-B51D-919A-4E85-2431BD16F358}"/>
-          </ac:spMkLst>
-        </pc:spChg>
       </pc:sldChg>
       <pc:sldChg chg="modSp mod">
         <pc:chgData name="Sonia Tara Hegde" userId="d93a2558-a889-4521-bcb4-6ed3fce9e012" providerId="ADAL" clId="{B7D9077D-9D53-B74C-824A-292B0E6ECB96}" dt="2025-05-19T15:42:54.528" v="173" actId="20577"/>
@@ -526,46 +246,6 @@
           <pc:docMk/>
           <pc:sldMk cId="114260918" sldId="2011251955"/>
         </pc:sldMkLst>
-        <pc:spChg chg="mod">
-          <ac:chgData name="Sonia Tara Hegde" userId="d93a2558-a889-4521-bcb4-6ed3fce9e012" providerId="ADAL" clId="{B7D9077D-9D53-B74C-824A-292B0E6ECB96}" dt="2025-05-19T15:42:12.917" v="167" actId="255"/>
-          <ac:spMkLst>
-            <pc:docMk/>
-            <pc:sldMk cId="114260918" sldId="2011251955"/>
-            <ac:spMk id="2" creationId="{40F03C77-F3AB-EB90-CFCE-349B1315DCAE}"/>
-          </ac:spMkLst>
-        </pc:spChg>
-        <pc:spChg chg="mod">
-          <ac:chgData name="Sonia Tara Hegde" userId="d93a2558-a889-4521-bcb4-6ed3fce9e012" providerId="ADAL" clId="{B7D9077D-9D53-B74C-824A-292B0E6ECB96}" dt="2025-05-19T15:42:54.528" v="173" actId="20577"/>
-          <ac:spMkLst>
-            <pc:docMk/>
-            <pc:sldMk cId="114260918" sldId="2011251955"/>
-            <ac:spMk id="3" creationId="{4C3AC95B-83B9-9992-EBA3-5E74DCBA73D8}"/>
-          </ac:spMkLst>
-        </pc:spChg>
-        <pc:spChg chg="mod">
-          <ac:chgData name="Sonia Tara Hegde" userId="d93a2558-a889-4521-bcb4-6ed3fce9e012" providerId="ADAL" clId="{B7D9077D-9D53-B74C-824A-292B0E6ECB96}" dt="2025-05-19T15:42:23.805" v="172" actId="1036"/>
-          <ac:spMkLst>
-            <pc:docMk/>
-            <pc:sldMk cId="114260918" sldId="2011251955"/>
-            <ac:spMk id="5" creationId="{62A24C1B-7B78-65A7-65E0-EA05034F2F66}"/>
-          </ac:spMkLst>
-        </pc:spChg>
-        <pc:spChg chg="mod">
-          <ac:chgData name="Sonia Tara Hegde" userId="d93a2558-a889-4521-bcb4-6ed3fce9e012" providerId="ADAL" clId="{B7D9077D-9D53-B74C-824A-292B0E6ECB96}" dt="2025-05-19T15:42:23.805" v="172" actId="1036"/>
-          <ac:spMkLst>
-            <pc:docMk/>
-            <pc:sldMk cId="114260918" sldId="2011251955"/>
-            <ac:spMk id="9" creationId="{9657A065-C438-EC4B-AD3E-00E59E7D25E1}"/>
-          </ac:spMkLst>
-        </pc:spChg>
-        <pc:picChg chg="mod">
-          <ac:chgData name="Sonia Tara Hegde" userId="d93a2558-a889-4521-bcb4-6ed3fce9e012" providerId="ADAL" clId="{B7D9077D-9D53-B74C-824A-292B0E6ECB96}" dt="2025-05-19T15:42:23.805" v="172" actId="1036"/>
-          <ac:picMkLst>
-            <pc:docMk/>
-            <pc:sldMk cId="114260918" sldId="2011251955"/>
-            <ac:picMk id="6" creationId="{0EEB28F9-A906-DFFE-DCFB-0157FDD932F2}"/>
-          </ac:picMkLst>
-        </pc:picChg>
       </pc:sldChg>
       <pc:sldChg chg="modSp mod">
         <pc:chgData name="Sonia Tara Hegde" userId="d93a2558-a889-4521-bcb4-6ed3fce9e012" providerId="ADAL" clId="{B7D9077D-9D53-B74C-824A-292B0E6ECB96}" dt="2025-05-19T15:43:11.709" v="175" actId="113"/>
@@ -573,14 +253,6 @@
           <pc:docMk/>
           <pc:sldMk cId="3158420642" sldId="2011251956"/>
         </pc:sldMkLst>
-        <pc:spChg chg="mod">
-          <ac:chgData name="Sonia Tara Hegde" userId="d93a2558-a889-4521-bcb4-6ed3fce9e012" providerId="ADAL" clId="{B7D9077D-9D53-B74C-824A-292B0E6ECB96}" dt="2025-05-19T15:43:11.709" v="175" actId="113"/>
-          <ac:spMkLst>
-            <pc:docMk/>
-            <pc:sldMk cId="3158420642" sldId="2011251956"/>
-            <ac:spMk id="2" creationId="{FE7ADEA5-74CE-37DE-EF3E-D62B077A98E4}"/>
-          </ac:spMkLst>
-        </pc:spChg>
       </pc:sldChg>
       <pc:sldChg chg="modSp mod">
         <pc:chgData name="Sonia Tara Hegde" userId="d93a2558-a889-4521-bcb4-6ed3fce9e012" providerId="ADAL" clId="{B7D9077D-9D53-B74C-824A-292B0E6ECB96}" dt="2025-05-19T16:26:18.116" v="1556" actId="207"/>
@@ -588,14 +260,6 @@
           <pc:docMk/>
           <pc:sldMk cId="925604605" sldId="2011251957"/>
         </pc:sldMkLst>
-        <pc:spChg chg="mod">
-          <ac:chgData name="Sonia Tara Hegde" userId="d93a2558-a889-4521-bcb4-6ed3fce9e012" providerId="ADAL" clId="{B7D9077D-9D53-B74C-824A-292B0E6ECB96}" dt="2025-05-19T16:26:18.116" v="1556" actId="207"/>
-          <ac:spMkLst>
-            <pc:docMk/>
-            <pc:sldMk cId="925604605" sldId="2011251957"/>
-            <ac:spMk id="25" creationId="{B589477D-37CA-BF10-03CF-FB0F2CD9FC09}"/>
-          </ac:spMkLst>
-        </pc:spChg>
       </pc:sldChg>
       <pc:sldChg chg="addSp delSp modSp mod">
         <pc:chgData name="Sonia Tara Hegde" userId="d93a2558-a889-4521-bcb4-6ed3fce9e012" providerId="ADAL" clId="{B7D9077D-9D53-B74C-824A-292B0E6ECB96}" dt="2025-05-19T16:22:33.439" v="1470" actId="478"/>
@@ -603,166 +267,6 @@
           <pc:docMk/>
           <pc:sldMk cId="324925659" sldId="2011251958"/>
         </pc:sldMkLst>
-        <pc:spChg chg="del">
-          <ac:chgData name="Sonia Tara Hegde" userId="d93a2558-a889-4521-bcb4-6ed3fce9e012" providerId="ADAL" clId="{B7D9077D-9D53-B74C-824A-292B0E6ECB96}" dt="2025-05-19T15:54:44.015" v="365" actId="478"/>
-          <ac:spMkLst>
-            <pc:docMk/>
-            <pc:sldMk cId="324925659" sldId="2011251958"/>
-            <ac:spMk id="3" creationId="{005689E3-06E0-20B0-5FFB-888F95324837}"/>
-          </ac:spMkLst>
-        </pc:spChg>
-        <pc:spChg chg="add mod">
-          <ac:chgData name="Sonia Tara Hegde" userId="d93a2558-a889-4521-bcb4-6ed3fce9e012" providerId="ADAL" clId="{B7D9077D-9D53-B74C-824A-292B0E6ECB96}" dt="2025-05-19T16:22:11.147" v="1468" actId="1037"/>
-          <ac:spMkLst>
-            <pc:docMk/>
-            <pc:sldMk cId="324925659" sldId="2011251958"/>
-            <ac:spMk id="9" creationId="{A5D07A83-7B82-69DD-01AC-122556CA7AD8}"/>
-          </ac:spMkLst>
-        </pc:spChg>
-        <pc:spChg chg="add mod">
-          <ac:chgData name="Sonia Tara Hegde" userId="d93a2558-a889-4521-bcb4-6ed3fce9e012" providerId="ADAL" clId="{B7D9077D-9D53-B74C-824A-292B0E6ECB96}" dt="2025-05-19T16:22:11.147" v="1468" actId="1037"/>
-          <ac:spMkLst>
-            <pc:docMk/>
-            <pc:sldMk cId="324925659" sldId="2011251958"/>
-            <ac:spMk id="12" creationId="{9B418B2D-B760-B186-5694-F4F239BAD70D}"/>
-          </ac:spMkLst>
-        </pc:spChg>
-        <pc:spChg chg="add mod">
-          <ac:chgData name="Sonia Tara Hegde" userId="d93a2558-a889-4521-bcb4-6ed3fce9e012" providerId="ADAL" clId="{B7D9077D-9D53-B74C-824A-292B0E6ECB96}" dt="2025-05-19T16:22:11.147" v="1468" actId="1037"/>
-          <ac:spMkLst>
-            <pc:docMk/>
-            <pc:sldMk cId="324925659" sldId="2011251958"/>
-            <ac:spMk id="21" creationId="{A65BDEBB-07B4-0BD3-0E66-E29E1AD5A01D}"/>
-          </ac:spMkLst>
-        </pc:spChg>
-        <pc:spChg chg="add del mod">
-          <ac:chgData name="Sonia Tara Hegde" userId="d93a2558-a889-4521-bcb4-6ed3fce9e012" providerId="ADAL" clId="{B7D9077D-9D53-B74C-824A-292B0E6ECB96}" dt="2025-05-19T16:22:33.439" v="1470" actId="478"/>
-          <ac:spMkLst>
-            <pc:docMk/>
-            <pc:sldMk cId="324925659" sldId="2011251958"/>
-            <ac:spMk id="23" creationId="{48F01943-B30B-0C7A-828F-322E00378DCF}"/>
-          </ac:spMkLst>
-        </pc:spChg>
-        <pc:grpChg chg="add mod">
-          <ac:chgData name="Sonia Tara Hegde" userId="d93a2558-a889-4521-bcb4-6ed3fce9e012" providerId="ADAL" clId="{B7D9077D-9D53-B74C-824A-292B0E6ECB96}" dt="2025-05-19T16:16:09.633" v="1138" actId="1076"/>
-          <ac:grpSpMkLst>
-            <pc:docMk/>
-            <pc:sldMk cId="324925659" sldId="2011251958"/>
-            <ac:grpSpMk id="18" creationId="{C6D73F84-4024-06E7-DE91-72D166756694}"/>
-          </ac:grpSpMkLst>
-        </pc:grpChg>
-        <pc:grpChg chg="add del">
-          <ac:chgData name="Sonia Tara Hegde" userId="d93a2558-a889-4521-bcb4-6ed3fce9e012" providerId="ADAL" clId="{B7D9077D-9D53-B74C-824A-292B0E6ECB96}" dt="2025-05-19T16:16:40.456" v="1145" actId="478"/>
-          <ac:grpSpMkLst>
-            <pc:docMk/>
-            <pc:sldMk cId="324925659" sldId="2011251958"/>
-            <ac:grpSpMk id="19" creationId="{B03C0CB3-558A-C27D-4EDE-D759C9CA95CC}"/>
-          </ac:grpSpMkLst>
-        </pc:grpChg>
-        <pc:graphicFrameChg chg="add mod modGraphic">
-          <ac:chgData name="Sonia Tara Hegde" userId="d93a2558-a889-4521-bcb4-6ed3fce9e012" providerId="ADAL" clId="{B7D9077D-9D53-B74C-824A-292B0E6ECB96}" dt="2025-05-19T16:22:11.147" v="1468" actId="1037"/>
-          <ac:graphicFrameMkLst>
-            <pc:docMk/>
-            <pc:sldMk cId="324925659" sldId="2011251958"/>
-            <ac:graphicFrameMk id="10" creationId="{D3EF1B4C-13E8-D528-BBB5-C243669D06F8}"/>
-          </ac:graphicFrameMkLst>
-        </pc:graphicFrameChg>
-        <pc:graphicFrameChg chg="add del mod">
-          <ac:chgData name="Sonia Tara Hegde" userId="d93a2558-a889-4521-bcb4-6ed3fce9e012" providerId="ADAL" clId="{B7D9077D-9D53-B74C-824A-292B0E6ECB96}" dt="2025-05-19T16:11:24.920" v="922" actId="478"/>
-          <ac:graphicFrameMkLst>
-            <pc:docMk/>
-            <pc:sldMk cId="324925659" sldId="2011251958"/>
-            <ac:graphicFrameMk id="13" creationId="{8EBE9658-AF82-36AD-D48D-FF8ADC898244}"/>
-          </ac:graphicFrameMkLst>
-        </pc:graphicFrameChg>
-        <pc:graphicFrameChg chg="add mod modGraphic">
-          <ac:chgData name="Sonia Tara Hegde" userId="d93a2558-a889-4521-bcb4-6ed3fce9e012" providerId="ADAL" clId="{B7D9077D-9D53-B74C-824A-292B0E6ECB96}" dt="2025-05-19T16:22:11.147" v="1468" actId="1037"/>
-          <ac:graphicFrameMkLst>
-            <pc:docMk/>
-            <pc:sldMk cId="324925659" sldId="2011251958"/>
-            <ac:graphicFrameMk id="24" creationId="{183EA4F8-81DB-52C2-C735-8E8C7992C788}"/>
-          </ac:graphicFrameMkLst>
-        </pc:graphicFrameChg>
-        <pc:picChg chg="mod">
-          <ac:chgData name="Sonia Tara Hegde" userId="d93a2558-a889-4521-bcb4-6ed3fce9e012" providerId="ADAL" clId="{B7D9077D-9D53-B74C-824A-292B0E6ECB96}" dt="2025-05-19T16:22:11.147" v="1468" actId="1037"/>
-          <ac:picMkLst>
-            <pc:docMk/>
-            <pc:sldMk cId="324925659" sldId="2011251958"/>
-            <ac:picMk id="5" creationId="{AD400A0D-815F-3969-4C36-371FCDBBED29}"/>
-          </ac:picMkLst>
-        </pc:picChg>
-        <pc:picChg chg="add mod">
-          <ac:chgData name="Sonia Tara Hegde" userId="d93a2558-a889-4521-bcb4-6ed3fce9e012" providerId="ADAL" clId="{B7D9077D-9D53-B74C-824A-292B0E6ECB96}" dt="2025-05-19T16:22:11.147" v="1468" actId="1037"/>
-          <ac:picMkLst>
-            <pc:docMk/>
-            <pc:sldMk cId="324925659" sldId="2011251958"/>
-            <ac:picMk id="7" creationId="{FB20A2BF-8206-1488-4418-1B01DCB9723E}"/>
-          </ac:picMkLst>
-        </pc:picChg>
-        <pc:picChg chg="add mod">
-          <ac:chgData name="Sonia Tara Hegde" userId="d93a2558-a889-4521-bcb4-6ed3fce9e012" providerId="ADAL" clId="{B7D9077D-9D53-B74C-824A-292B0E6ECB96}" dt="2025-05-19T16:22:11.147" v="1468" actId="1037"/>
-          <ac:picMkLst>
-            <pc:docMk/>
-            <pc:sldMk cId="324925659" sldId="2011251958"/>
-            <ac:picMk id="8" creationId="{D77BCEAF-B9FE-73C7-69CB-73CBD5615387}"/>
-          </ac:picMkLst>
-        </pc:picChg>
-        <pc:picChg chg="add mod">
-          <ac:chgData name="Sonia Tara Hegde" userId="d93a2558-a889-4521-bcb4-6ed3fce9e012" providerId="ADAL" clId="{B7D9077D-9D53-B74C-824A-292B0E6ECB96}" dt="2025-05-19T16:16:09.633" v="1138" actId="1076"/>
-          <ac:picMkLst>
-            <pc:docMk/>
-            <pc:sldMk cId="324925659" sldId="2011251958"/>
-            <ac:picMk id="14" creationId="{46AB5407-A998-B643-7BB8-219EC70302EA}"/>
-          </ac:picMkLst>
-        </pc:picChg>
-        <pc:picChg chg="add mod">
-          <ac:chgData name="Sonia Tara Hegde" userId="d93a2558-a889-4521-bcb4-6ed3fce9e012" providerId="ADAL" clId="{B7D9077D-9D53-B74C-824A-292B0E6ECB96}" dt="2025-05-19T16:16:09.633" v="1138" actId="1076"/>
-          <ac:picMkLst>
-            <pc:docMk/>
-            <pc:sldMk cId="324925659" sldId="2011251958"/>
-            <ac:picMk id="16" creationId="{5A70EEF2-9E65-1EE2-C299-D1E2A6D910AC}"/>
-          </ac:picMkLst>
-        </pc:picChg>
-        <pc:picChg chg="add mod">
-          <ac:chgData name="Sonia Tara Hegde" userId="d93a2558-a889-4521-bcb4-6ed3fce9e012" providerId="ADAL" clId="{B7D9077D-9D53-B74C-824A-292B0E6ECB96}" dt="2025-05-19T16:16:24.211" v="1141" actId="1076"/>
-          <ac:picMkLst>
-            <pc:docMk/>
-            <pc:sldMk cId="324925659" sldId="2011251958"/>
-            <ac:picMk id="17" creationId="{EDE6FA00-0A8B-1F1D-1D5B-480399367F5C}"/>
-          </ac:picMkLst>
-        </pc:picChg>
-        <pc:picChg chg="add mod">
-          <ac:chgData name="Sonia Tara Hegde" userId="d93a2558-a889-4521-bcb4-6ed3fce9e012" providerId="ADAL" clId="{B7D9077D-9D53-B74C-824A-292B0E6ECB96}" dt="2025-05-19T16:22:11.147" v="1468" actId="1037"/>
-          <ac:picMkLst>
-            <pc:docMk/>
-            <pc:sldMk cId="324925659" sldId="2011251958"/>
-            <ac:picMk id="20" creationId="{9D43DF3E-1AE6-7CBD-7831-A739A07AD5D9}"/>
-          </ac:picMkLst>
-        </pc:picChg>
-        <pc:cxnChg chg="add mod">
-          <ac:chgData name="Sonia Tara Hegde" userId="d93a2558-a889-4521-bcb4-6ed3fce9e012" providerId="ADAL" clId="{B7D9077D-9D53-B74C-824A-292B0E6ECB96}" dt="2025-05-19T16:18:14.020" v="1202" actId="1038"/>
-          <ac:cxnSpMkLst>
-            <pc:docMk/>
-            <pc:sldMk cId="324925659" sldId="2011251958"/>
-            <ac:cxnSpMk id="6" creationId="{FEBB2747-5430-AF23-D231-BADCDCE13132}"/>
-          </ac:cxnSpMkLst>
-        </pc:cxnChg>
-        <pc:cxnChg chg="add mod">
-          <ac:chgData name="Sonia Tara Hegde" userId="d93a2558-a889-4521-bcb4-6ed3fce9e012" providerId="ADAL" clId="{B7D9077D-9D53-B74C-824A-292B0E6ECB96}" dt="2025-05-19T16:22:11.147" v="1468" actId="1037"/>
-          <ac:cxnSpMkLst>
-            <pc:docMk/>
-            <pc:sldMk cId="324925659" sldId="2011251958"/>
-            <ac:cxnSpMk id="11" creationId="{D9D4ACA0-D9B7-7BC8-3A5B-2D4789D06B22}"/>
-          </ac:cxnSpMkLst>
-        </pc:cxnChg>
-        <pc:cxnChg chg="add mod">
-          <ac:chgData name="Sonia Tara Hegde" userId="d93a2558-a889-4521-bcb4-6ed3fce9e012" providerId="ADAL" clId="{B7D9077D-9D53-B74C-824A-292B0E6ECB96}" dt="2025-05-19T16:14:05.008" v="1108" actId="1076"/>
-          <ac:cxnSpMkLst>
-            <pc:docMk/>
-            <pc:sldMk cId="324925659" sldId="2011251958"/>
-            <ac:cxnSpMk id="15" creationId="{A19B511D-61AB-2A40-3DAB-789B079D37F0}"/>
-          </ac:cxnSpMkLst>
-        </pc:cxnChg>
       </pc:sldChg>
       <pc:sldChg chg="modSp mod">
         <pc:chgData name="Sonia Tara Hegde" userId="d93a2558-a889-4521-bcb4-6ed3fce9e012" providerId="ADAL" clId="{B7D9077D-9D53-B74C-824A-292B0E6ECB96}" dt="2025-05-19T15:44:21.092" v="181" actId="113"/>
@@ -770,22 +274,6 @@
           <pc:docMk/>
           <pc:sldMk cId="3727649303" sldId="2011251959"/>
         </pc:sldMkLst>
-        <pc:spChg chg="mod">
-          <ac:chgData name="Sonia Tara Hegde" userId="d93a2558-a889-4521-bcb4-6ed3fce9e012" providerId="ADAL" clId="{B7D9077D-9D53-B74C-824A-292B0E6ECB96}" dt="2025-05-19T15:43:22.823" v="176" actId="255"/>
-          <ac:spMkLst>
-            <pc:docMk/>
-            <pc:sldMk cId="3727649303" sldId="2011251959"/>
-            <ac:spMk id="2" creationId="{BDF1C2E8-567D-F98C-1026-35DFDAF815DE}"/>
-          </ac:spMkLst>
-        </pc:spChg>
-        <pc:spChg chg="mod">
-          <ac:chgData name="Sonia Tara Hegde" userId="d93a2558-a889-4521-bcb4-6ed3fce9e012" providerId="ADAL" clId="{B7D9077D-9D53-B74C-824A-292B0E6ECB96}" dt="2025-05-19T15:44:21.092" v="181" actId="113"/>
-          <ac:spMkLst>
-            <pc:docMk/>
-            <pc:sldMk cId="3727649303" sldId="2011251959"/>
-            <ac:spMk id="3" creationId="{3D01C2E2-D1F9-D657-727E-91627B3C0370}"/>
-          </ac:spMkLst>
-        </pc:spChg>
       </pc:sldChg>
       <pc:sldChg chg="modSp mod">
         <pc:chgData name="Sonia Tara Hegde" userId="d93a2558-a889-4521-bcb4-6ed3fce9e012" providerId="ADAL" clId="{B7D9077D-9D53-B74C-824A-292B0E6ECB96}" dt="2025-05-19T15:45:53.690" v="209" actId="255"/>
@@ -793,22 +281,6 @@
           <pc:docMk/>
           <pc:sldMk cId="2896503447" sldId="2011251960"/>
         </pc:sldMkLst>
-        <pc:spChg chg="mod">
-          <ac:chgData name="Sonia Tara Hegde" userId="d93a2558-a889-4521-bcb4-6ed3fce9e012" providerId="ADAL" clId="{B7D9077D-9D53-B74C-824A-292B0E6ECB96}" dt="2025-05-19T15:44:29.361" v="182" actId="255"/>
-          <ac:spMkLst>
-            <pc:docMk/>
-            <pc:sldMk cId="2896503447" sldId="2011251960"/>
-            <ac:spMk id="2" creationId="{192A3130-EFF6-6522-C078-8F5A9009C535}"/>
-          </ac:spMkLst>
-        </pc:spChg>
-        <pc:spChg chg="mod">
-          <ac:chgData name="Sonia Tara Hegde" userId="d93a2558-a889-4521-bcb4-6ed3fce9e012" providerId="ADAL" clId="{B7D9077D-9D53-B74C-824A-292B0E6ECB96}" dt="2025-05-19T15:45:53.690" v="209" actId="255"/>
-          <ac:spMkLst>
-            <pc:docMk/>
-            <pc:sldMk cId="2896503447" sldId="2011251960"/>
-            <ac:spMk id="3" creationId="{98CE0BE6-F924-A541-762F-43068F37CE5D}"/>
-          </ac:spMkLst>
-        </pc:spChg>
       </pc:sldChg>
       <pc:sldChg chg="new del">
         <pc:chgData name="Sonia Tara Hegde" userId="d93a2558-a889-4521-bcb4-6ed3fce9e012" providerId="ADAL" clId="{B7D9077D-9D53-B74C-824A-292B0E6ECB96}" dt="2025-05-19T15:31:05.008" v="12" actId="2696"/>
@@ -823,14 +295,6 @@
           <pc:docMk/>
           <pc:sldMk cId="3693510453" sldId="2011251962"/>
         </pc:sldMkLst>
-        <pc:spChg chg="add mod">
-          <ac:chgData name="Sonia Tara Hegde" userId="d93a2558-a889-4521-bcb4-6ed3fce9e012" providerId="ADAL" clId="{B7D9077D-9D53-B74C-824A-292B0E6ECB96}" dt="2025-05-19T16:26:27.789" v="1557" actId="692"/>
-          <ac:spMkLst>
-            <pc:docMk/>
-            <pc:sldMk cId="3693510453" sldId="2011251962"/>
-            <ac:spMk id="3" creationId="{51576A8E-27D1-072C-FCAC-61EF0F48155F}"/>
-          </ac:spMkLst>
-        </pc:spChg>
       </pc:sldChg>
       <pc:sldChg chg="addSp delSp modSp add del mod">
         <pc:chgData name="Sonia Tara Hegde" userId="d93a2558-a889-4521-bcb4-6ed3fce9e012" providerId="ADAL" clId="{B7D9077D-9D53-B74C-824A-292B0E6ECB96}" dt="2025-05-19T16:19:05.102" v="1207" actId="2696"/>
@@ -838,126 +302,6 @@
           <pc:docMk/>
           <pc:sldMk cId="3553999775" sldId="2011251963"/>
         </pc:sldMkLst>
-        <pc:spChg chg="mod">
-          <ac:chgData name="Sonia Tara Hegde" userId="d93a2558-a889-4521-bcb4-6ed3fce9e012" providerId="ADAL" clId="{B7D9077D-9D53-B74C-824A-292B0E6ECB96}" dt="2025-05-19T15:54:15.958" v="361" actId="1076"/>
-          <ac:spMkLst>
-            <pc:docMk/>
-            <pc:sldMk cId="3553999775" sldId="2011251963"/>
-            <ac:spMk id="3" creationId="{005689E3-06E0-20B0-5FFB-888F95324837}"/>
-          </ac:spMkLst>
-        </pc:spChg>
-        <pc:spChg chg="add mod">
-          <ac:chgData name="Sonia Tara Hegde" userId="d93a2558-a889-4521-bcb4-6ed3fce9e012" providerId="ADAL" clId="{B7D9077D-9D53-B74C-824A-292B0E6ECB96}" dt="2025-05-19T15:56:27.565" v="375" actId="207"/>
-          <ac:spMkLst>
-            <pc:docMk/>
-            <pc:sldMk cId="3553999775" sldId="2011251963"/>
-            <ac:spMk id="8" creationId="{DEC46B45-8375-D37C-C7C5-406760EDF03F}"/>
-          </ac:spMkLst>
-        </pc:spChg>
-        <pc:spChg chg="add mod">
-          <ac:chgData name="Sonia Tara Hegde" userId="d93a2558-a889-4521-bcb4-6ed3fce9e012" providerId="ADAL" clId="{B7D9077D-9D53-B74C-824A-292B0E6ECB96}" dt="2025-05-19T15:56:41.207" v="381" actId="14100"/>
-          <ac:spMkLst>
-            <pc:docMk/>
-            <pc:sldMk cId="3553999775" sldId="2011251963"/>
-            <ac:spMk id="9" creationId="{0E9A9F08-95AE-0EB9-91C4-CDB00A10D19F}"/>
-          </ac:spMkLst>
-        </pc:spChg>
-        <pc:spChg chg="add mod">
-          <ac:chgData name="Sonia Tara Hegde" userId="d93a2558-a889-4521-bcb4-6ed3fce9e012" providerId="ADAL" clId="{B7D9077D-9D53-B74C-824A-292B0E6ECB96}" dt="2025-05-19T15:58:47.735" v="427" actId="2085"/>
-          <ac:spMkLst>
-            <pc:docMk/>
-            <pc:sldMk cId="3553999775" sldId="2011251963"/>
-            <ac:spMk id="12" creationId="{DB8265CD-9F2A-1A75-0AFF-0C099016DF48}"/>
-          </ac:spMkLst>
-        </pc:spChg>
-        <pc:spChg chg="add mod">
-          <ac:chgData name="Sonia Tara Hegde" userId="d93a2558-a889-4521-bcb4-6ed3fce9e012" providerId="ADAL" clId="{B7D9077D-9D53-B74C-824A-292B0E6ECB96}" dt="2025-05-19T15:58:51.379" v="429" actId="1076"/>
-          <ac:spMkLst>
-            <pc:docMk/>
-            <pc:sldMk cId="3553999775" sldId="2011251963"/>
-            <ac:spMk id="13" creationId="{5A7D11E1-55E6-FC79-D83B-93CB6BC99E43}"/>
-          </ac:spMkLst>
-        </pc:spChg>
-        <pc:spChg chg="add mod">
-          <ac:chgData name="Sonia Tara Hegde" userId="d93a2558-a889-4521-bcb4-6ed3fce9e012" providerId="ADAL" clId="{B7D9077D-9D53-B74C-824A-292B0E6ECB96}" dt="2025-05-19T15:58:56.122" v="431" actId="1076"/>
-          <ac:spMkLst>
-            <pc:docMk/>
-            <pc:sldMk cId="3553999775" sldId="2011251963"/>
-            <ac:spMk id="14" creationId="{064B7FC0-72A6-87D1-C289-BDC53016A5F2}"/>
-          </ac:spMkLst>
-        </pc:spChg>
-        <pc:spChg chg="add mod">
-          <ac:chgData name="Sonia Tara Hegde" userId="d93a2558-a889-4521-bcb4-6ed3fce9e012" providerId="ADAL" clId="{B7D9077D-9D53-B74C-824A-292B0E6ECB96}" dt="2025-05-19T15:59:06.722" v="442" actId="1038"/>
-          <ac:spMkLst>
-            <pc:docMk/>
-            <pc:sldMk cId="3553999775" sldId="2011251963"/>
-            <ac:spMk id="15" creationId="{975128F7-9CC2-6B85-5AC4-860253583E3B}"/>
-          </ac:spMkLst>
-        </pc:spChg>
-        <pc:grpChg chg="add del">
-          <ac:chgData name="Sonia Tara Hegde" userId="d93a2558-a889-4521-bcb4-6ed3fce9e012" providerId="ADAL" clId="{B7D9077D-9D53-B74C-824A-292B0E6ECB96}" dt="2025-05-19T15:57:02.355" v="384" actId="478"/>
-          <ac:grpSpMkLst>
-            <pc:docMk/>
-            <pc:sldMk cId="3553999775" sldId="2011251963"/>
-            <ac:grpSpMk id="10" creationId="{48B07D2B-4F67-5285-46A7-F3F952EEFBE1}"/>
-          </ac:grpSpMkLst>
-        </pc:grpChg>
-        <pc:grpChg chg="add del">
-          <ac:chgData name="Sonia Tara Hegde" userId="d93a2558-a889-4521-bcb4-6ed3fce9e012" providerId="ADAL" clId="{B7D9077D-9D53-B74C-824A-292B0E6ECB96}" dt="2025-05-19T16:00:00.416" v="446" actId="478"/>
-          <ac:grpSpMkLst>
-            <pc:docMk/>
-            <pc:sldMk cId="3553999775" sldId="2011251963"/>
-            <ac:grpSpMk id="16" creationId="{540731B4-09A5-9D99-5A2A-5BDC2003F3D3}"/>
-          </ac:grpSpMkLst>
-        </pc:grpChg>
-        <pc:picChg chg="del mod">
-          <ac:chgData name="Sonia Tara Hegde" userId="d93a2558-a889-4521-bcb4-6ed3fce9e012" providerId="ADAL" clId="{B7D9077D-9D53-B74C-824A-292B0E6ECB96}" dt="2025-05-19T16:09:14.912" v="832" actId="478"/>
-          <ac:picMkLst>
-            <pc:docMk/>
-            <pc:sldMk cId="3553999775" sldId="2011251963"/>
-            <ac:picMk id="4" creationId="{75DC88A5-80D7-E813-5B2C-B5042BD104F4}"/>
-          </ac:picMkLst>
-        </pc:picChg>
-        <pc:picChg chg="mod">
-          <ac:chgData name="Sonia Tara Hegde" userId="d93a2558-a889-4521-bcb4-6ed3fce9e012" providerId="ADAL" clId="{B7D9077D-9D53-B74C-824A-292B0E6ECB96}" dt="2025-05-19T15:54:04.023" v="360" actId="1076"/>
-          <ac:picMkLst>
-            <pc:docMk/>
-            <pc:sldMk cId="3553999775" sldId="2011251963"/>
-            <ac:picMk id="5" creationId="{AD400A0D-815F-3969-4C36-371FCDBBED29}"/>
-          </ac:picMkLst>
-        </pc:picChg>
-        <pc:picChg chg="mod">
-          <ac:chgData name="Sonia Tara Hegde" userId="d93a2558-a889-4521-bcb4-6ed3fce9e012" providerId="ADAL" clId="{B7D9077D-9D53-B74C-824A-292B0E6ECB96}" dt="2025-05-19T15:56:06.555" v="370" actId="1076"/>
-          <ac:picMkLst>
-            <pc:docMk/>
-            <pc:sldMk cId="3553999775" sldId="2011251963"/>
-            <ac:picMk id="6" creationId="{EBC1D958-1465-47D1-4F4C-046777AFE976}"/>
-          </ac:picMkLst>
-        </pc:picChg>
-        <pc:picChg chg="mod">
-          <ac:chgData name="Sonia Tara Hegde" userId="d93a2558-a889-4521-bcb4-6ed3fce9e012" providerId="ADAL" clId="{B7D9077D-9D53-B74C-824A-292B0E6ECB96}" dt="2025-05-19T15:58:31.520" v="424" actId="1076"/>
-          <ac:picMkLst>
-            <pc:docMk/>
-            <pc:sldMk cId="3553999775" sldId="2011251963"/>
-            <ac:picMk id="7" creationId="{992CAD8D-52BF-20C1-0845-886DF2F8CDD4}"/>
-          </ac:picMkLst>
-        </pc:picChg>
-        <pc:picChg chg="add del mod modCrop">
-          <ac:chgData name="Sonia Tara Hegde" userId="d93a2558-a889-4521-bcb4-6ed3fce9e012" providerId="ADAL" clId="{B7D9077D-9D53-B74C-824A-292B0E6ECB96}" dt="2025-05-19T15:57:29.207" v="390" actId="21"/>
-          <ac:picMkLst>
-            <pc:docMk/>
-            <pc:sldMk cId="3553999775" sldId="2011251963"/>
-            <ac:picMk id="11" creationId="{0888A220-363F-172E-0857-0B2A43697677}"/>
-          </ac:picMkLst>
-        </pc:picChg>
-        <pc:picChg chg="add del mod modCrop">
-          <ac:chgData name="Sonia Tara Hegde" userId="d93a2558-a889-4521-bcb4-6ed3fce9e012" providerId="ADAL" clId="{B7D9077D-9D53-B74C-824A-292B0E6ECB96}" dt="2025-05-19T16:00:45.294" v="456" actId="21"/>
-          <ac:picMkLst>
-            <pc:docMk/>
-            <pc:sldMk cId="3553999775" sldId="2011251963"/>
-            <ac:picMk id="17" creationId="{56A906E2-6421-E57F-DE90-43C1CC9B3C7E}"/>
-          </ac:picMkLst>
-        </pc:picChg>
       </pc:sldChg>
       <pc:sldChg chg="delSp add del mod delAnim">
         <pc:chgData name="Sonia Tara Hegde" userId="d93a2558-a889-4521-bcb4-6ed3fce9e012" providerId="ADAL" clId="{B7D9077D-9D53-B74C-824A-292B0E6ECB96}" dt="2025-05-19T15:52:41.887" v="350" actId="2696"/>
@@ -965,14 +309,6 @@
           <pc:docMk/>
           <pc:sldMk cId="2234678510" sldId="2011251964"/>
         </pc:sldMkLst>
-        <pc:spChg chg="del">
-          <ac:chgData name="Sonia Tara Hegde" userId="d93a2558-a889-4521-bcb4-6ed3fce9e012" providerId="ADAL" clId="{B7D9077D-9D53-B74C-824A-292B0E6ECB96}" dt="2025-05-19T15:52:23.974" v="348" actId="478"/>
-          <ac:spMkLst>
-            <pc:docMk/>
-            <pc:sldMk cId="2234678510" sldId="2011251964"/>
-            <ac:spMk id="9" creationId="{7FBC4120-D8AC-1B64-D0A3-F1CCF0236EFB}"/>
-          </ac:spMkLst>
-        </pc:spChg>
       </pc:sldChg>
       <pc:sldChg chg="delSp add mod">
         <pc:chgData name="Sonia Tara Hegde" userId="d93a2558-a889-4521-bcb4-6ed3fce9e012" providerId="ADAL" clId="{B7D9077D-9D53-B74C-824A-292B0E6ECB96}" dt="2025-05-19T15:52:46.298" v="352" actId="478"/>
@@ -980,14 +316,6 @@
           <pc:docMk/>
           <pc:sldMk cId="2661102096" sldId="2011251964"/>
         </pc:sldMkLst>
-        <pc:spChg chg="del">
-          <ac:chgData name="Sonia Tara Hegde" userId="d93a2558-a889-4521-bcb4-6ed3fce9e012" providerId="ADAL" clId="{B7D9077D-9D53-B74C-824A-292B0E6ECB96}" dt="2025-05-19T15:52:46.298" v="352" actId="478"/>
-          <ac:spMkLst>
-            <pc:docMk/>
-            <pc:sldMk cId="2661102096" sldId="2011251964"/>
-            <ac:spMk id="9" creationId="{547AFF1B-111D-C30C-88D7-BD40FA420118}"/>
-          </ac:spMkLst>
-        </pc:spChg>
       </pc:sldChg>
       <pc:sldChg chg="delSp add mod">
         <pc:chgData name="Sonia Tara Hegde" userId="d93a2558-a889-4521-bcb4-6ed3fce9e012" providerId="ADAL" clId="{B7D9077D-9D53-B74C-824A-292B0E6ECB96}" dt="2025-05-19T15:52:52.218" v="355" actId="478"/>
@@ -995,22 +323,6 @@
           <pc:docMk/>
           <pc:sldMk cId="1644611064" sldId="2011251965"/>
         </pc:sldMkLst>
-        <pc:spChg chg="del">
-          <ac:chgData name="Sonia Tara Hegde" userId="d93a2558-a889-4521-bcb4-6ed3fce9e012" providerId="ADAL" clId="{B7D9077D-9D53-B74C-824A-292B0E6ECB96}" dt="2025-05-19T15:52:51.257" v="354" actId="478"/>
-          <ac:spMkLst>
-            <pc:docMk/>
-            <pc:sldMk cId="1644611064" sldId="2011251965"/>
-            <ac:spMk id="9" creationId="{3B6ADCF4-23DC-0C3D-A77F-70090F6326E5}"/>
-          </ac:spMkLst>
-        </pc:spChg>
-        <pc:spChg chg="del">
-          <ac:chgData name="Sonia Tara Hegde" userId="d93a2558-a889-4521-bcb4-6ed3fce9e012" providerId="ADAL" clId="{B7D9077D-9D53-B74C-824A-292B0E6ECB96}" dt="2025-05-19T15:52:52.218" v="355" actId="478"/>
-          <ac:spMkLst>
-            <pc:docMk/>
-            <pc:sldMk cId="1644611064" sldId="2011251965"/>
-            <ac:spMk id="11" creationId="{D7CAA3F7-7634-0943-1415-3C7D620F9BE1}"/>
-          </ac:spMkLst>
-        </pc:spChg>
       </pc:sldChg>
       <pc:sldChg chg="delSp add mod">
         <pc:chgData name="Sonia Tara Hegde" userId="d93a2558-a889-4521-bcb4-6ed3fce9e012" providerId="ADAL" clId="{B7D9077D-9D53-B74C-824A-292B0E6ECB96}" dt="2025-05-19T15:53:01.379" v="359" actId="478"/>
@@ -1018,30 +330,6 @@
           <pc:docMk/>
           <pc:sldMk cId="1684671680" sldId="2011251966"/>
         </pc:sldMkLst>
-        <pc:spChg chg="del">
-          <ac:chgData name="Sonia Tara Hegde" userId="d93a2558-a889-4521-bcb4-6ed3fce9e012" providerId="ADAL" clId="{B7D9077D-9D53-B74C-824A-292B0E6ECB96}" dt="2025-05-19T15:52:59.073" v="357" actId="478"/>
-          <ac:spMkLst>
-            <pc:docMk/>
-            <pc:sldMk cId="1684671680" sldId="2011251966"/>
-            <ac:spMk id="9" creationId="{ED53F7E3-707E-1A39-11B5-5C82C8111FEF}"/>
-          </ac:spMkLst>
-        </pc:spChg>
-        <pc:spChg chg="del">
-          <ac:chgData name="Sonia Tara Hegde" userId="d93a2558-a889-4521-bcb4-6ed3fce9e012" providerId="ADAL" clId="{B7D9077D-9D53-B74C-824A-292B0E6ECB96}" dt="2025-05-19T15:53:00.024" v="358" actId="478"/>
-          <ac:spMkLst>
-            <pc:docMk/>
-            <pc:sldMk cId="1684671680" sldId="2011251966"/>
-            <ac:spMk id="11" creationId="{ACF7EA67-A120-C051-CDB5-F448137BC049}"/>
-          </ac:spMkLst>
-        </pc:spChg>
-        <pc:spChg chg="del">
-          <ac:chgData name="Sonia Tara Hegde" userId="d93a2558-a889-4521-bcb4-6ed3fce9e012" providerId="ADAL" clId="{B7D9077D-9D53-B74C-824A-292B0E6ECB96}" dt="2025-05-19T15:53:01.379" v="359" actId="478"/>
-          <ac:spMkLst>
-            <pc:docMk/>
-            <pc:sldMk cId="1684671680" sldId="2011251966"/>
-            <ac:spMk id="12" creationId="{66031976-3AD7-108A-F170-2BDCBB99D9E8}"/>
-          </ac:spMkLst>
-        </pc:spChg>
       </pc:sldChg>
       <pc:sldChg chg="addSp modSp add mod modAnim">
         <pc:chgData name="Sonia Tara Hegde" userId="d93a2558-a889-4521-bcb4-6ed3fce9e012" providerId="ADAL" clId="{B7D9077D-9D53-B74C-824A-292B0E6ECB96}" dt="2025-05-19T16:27:34.153" v="1559"/>
@@ -1049,22 +337,30 @@
           <pc:docMk/>
           <pc:sldMk cId="847550509" sldId="2011251967"/>
         </pc:sldMkLst>
-        <pc:spChg chg="add mod">
-          <ac:chgData name="Sonia Tara Hegde" userId="d93a2558-a889-4521-bcb4-6ed3fce9e012" providerId="ADAL" clId="{B7D9077D-9D53-B74C-824A-292B0E6ECB96}" dt="2025-05-19T16:26:36.429" v="1558" actId="692"/>
+      </pc:sldChg>
+    </pc:docChg>
+  </pc:docChgLst>
+  <pc:docChgLst>
+    <pc:chgData name="Sonia Tara Hegde" userId="d93a2558-a889-4521-bcb4-6ed3fce9e012" providerId="ADAL" clId="{EBD5FDE4-986C-834B-B8CB-0AE653E3B2F0}"/>
+    <pc:docChg chg="modSld">
+      <pc:chgData name="Sonia Tara Hegde" userId="d93a2558-a889-4521-bcb4-6ed3fce9e012" providerId="ADAL" clId="{EBD5FDE4-986C-834B-B8CB-0AE653E3B2F0}" dt="2025-07-17T05:59:35.632" v="1" actId="20577"/>
+      <pc:docMkLst>
+        <pc:docMk/>
+      </pc:docMkLst>
+      <pc:sldChg chg="modSp mod">
+        <pc:chgData name="Sonia Tara Hegde" userId="d93a2558-a889-4521-bcb4-6ed3fce9e012" providerId="ADAL" clId="{EBD5FDE4-986C-834B-B8CB-0AE653E3B2F0}" dt="2025-07-17T05:59:35.632" v="1" actId="20577"/>
+        <pc:sldMkLst>
+          <pc:docMk/>
+          <pc:sldMk cId="4234954616" sldId="256"/>
+        </pc:sldMkLst>
+        <pc:spChg chg="mod">
+          <ac:chgData name="Sonia Tara Hegde" userId="d93a2558-a889-4521-bcb4-6ed3fce9e012" providerId="ADAL" clId="{EBD5FDE4-986C-834B-B8CB-0AE653E3B2F0}" dt="2025-07-17T05:59:35.632" v="1" actId="20577"/>
           <ac:spMkLst>
             <pc:docMk/>
-            <pc:sldMk cId="847550509" sldId="2011251967"/>
-            <ac:spMk id="3" creationId="{14D89486-E218-B449-D97C-86300C09FA98}"/>
+            <pc:sldMk cId="4234954616" sldId="256"/>
+            <ac:spMk id="2" creationId="{5FC40703-2282-157B-9E09-881EED295639}"/>
           </ac:spMkLst>
         </pc:spChg>
-        <pc:graphicFrameChg chg="modGraphic">
-          <ac:chgData name="Sonia Tara Hegde" userId="d93a2558-a889-4521-bcb4-6ed3fce9e012" providerId="ADAL" clId="{B7D9077D-9D53-B74C-824A-292B0E6ECB96}" dt="2025-05-19T16:24:08.903" v="1548" actId="20577"/>
-          <ac:graphicFrameMkLst>
-            <pc:docMk/>
-            <pc:sldMk cId="847550509" sldId="2011251967"/>
-            <ac:graphicFrameMk id="24" creationId="{843E699A-7345-86A4-B565-DA945CB1A42A}"/>
-          </ac:graphicFrameMkLst>
-        </pc:graphicFrameChg>
       </pc:sldChg>
     </pc:docChg>
   </pc:docChgLst>
@@ -1153,7 +449,7 @@
           <a:p>
             <a:fld id="{A74DA294-1B42-874D-8153-BC1D11BBC479}" type="datetimeFigureOut">
               <a:rPr lang="en-US" smtClean="0"/>
-              <a:t>5/19/25</a:t>
+              <a:t>7/17/25</a:t>
             </a:fld>
             <a:endParaRPr lang="en-US"/>
           </a:p>
@@ -5058,7 +4354,7 @@
               <a:rPr lang="en-US" sz="3600" dirty="0">
                 <a:latin typeface="+mn-lt"/>
               </a:rPr>
-              <a:t>Lecture 0: Course Overview &amp; </a:t>
+              <a:t>Lecture 1: Course Overview &amp; </a:t>
             </a:r>
             <a:br>
               <a:rPr lang="en-US" sz="3600" dirty="0">
